--- a/inflearn01/doc/개발자가알아두면좋을네트워크개념.pptx
+++ b/inflearn01/doc/개발자가알아두면좋을네트워크개념.pptx
@@ -11,11 +11,11 @@
     <p:handoutMasterId r:id="rId8"/>
   </p:handoutMasterIdLst>
   <p:sldIdLst>
-    <p:sldId id="300" r:id="rId2"/>
-    <p:sldId id="292" r:id="rId3"/>
-    <p:sldId id="301" r:id="rId4"/>
-    <p:sldId id="302" r:id="rId5"/>
-    <p:sldId id="303" r:id="rId6"/>
+    <p:sldId id="292" r:id="rId2"/>
+    <p:sldId id="294" r:id="rId3"/>
+    <p:sldId id="298" r:id="rId4"/>
+    <p:sldId id="295" r:id="rId5"/>
+    <p:sldId id="299" r:id="rId6"/>
   </p:sldIdLst>
   <p:sldSz cx="12192000" cy="6858000"/>
   <p:notesSz cx="6858000" cy="9144000"/>
@@ -321,6 +321,60 @@
   </p:cSld>
   <p:clrMap bg1="lt1" tx1="dk1" bg2="lt2" tx2="dk2" accent1="accent1" accent2="accent2" accent3="accent3" accent4="accent4" accent5="accent5" accent6="accent6" hlink="hlink" folHlink="folHlink"/>
 </p:handoutMaster>
+</file>
+
+<file path=ppt/ink/ink1.xml><?xml version="1.0" encoding="utf-8"?>
+<inkml:ink xmlns:inkml="http://www.w3.org/2003/InkML">
+  <inkml:definitions>
+    <inkml:context xml:id="ctx0">
+      <inkml:inkSource xml:id="inkSrc0">
+        <inkml:traceFormat>
+          <inkml:channel name="X" type="integer" min="-2.14748E9" max="2.14748E9" units="cm"/>
+          <inkml:channel name="Y" type="integer" min="-2.14748E9" max="2.14748E9" units="cm"/>
+          <inkml:channel name="F" type="integer" max="32767" units="dev"/>
+        </inkml:traceFormat>
+        <inkml:channelProperties>
+          <inkml:channelProperty channel="X" name="resolution" value="1000" units="1/cm"/>
+          <inkml:channelProperty channel="Y" name="resolution" value="1000" units="1/cm"/>
+          <inkml:channelProperty channel="F" name="resolution" value="0" units="1/dev"/>
+        </inkml:channelProperties>
+      </inkml:inkSource>
+      <inkml:timestamp xml:id="ts0" timeString="2021-06-07T11:02:08.245"/>
+    </inkml:context>
+    <inkml:brush xml:id="br0">
+      <inkml:brushProperty name="width" value="0.05" units="cm"/>
+      <inkml:brushProperty name="height" value="0.05" units="cm"/>
+    </inkml:brush>
+  </inkml:definitions>
+  <inkml:trace contextRef="#ctx0" brushRef="#br0">63 108 7107,'0'0'20175,"-5"-6"-19658,-4-3-4,0 0 0,-1 0 0,-19-13 0,28 18 143,10 3-456,77 1-156,96 13 0,-101-5 56,150-7-1,-101-4-7,24 3 39,-156-17-203,-26-13-3949,4 10-7896</inkml:trace>
+</inkml:ink>
+</file>
+
+<file path=ppt/ink/ink2.xml><?xml version="1.0" encoding="utf-8"?>
+<inkml:ink xmlns:inkml="http://www.w3.org/2003/InkML">
+  <inkml:definitions>
+    <inkml:context xml:id="ctx0">
+      <inkml:inkSource xml:id="inkSrc0">
+        <inkml:traceFormat>
+          <inkml:channel name="X" type="integer" min="-2.14748E9" max="2.14748E9" units="cm"/>
+          <inkml:channel name="Y" type="integer" min="-2.14748E9" max="2.14748E9" units="cm"/>
+          <inkml:channel name="F" type="integer" max="32767" units="dev"/>
+        </inkml:traceFormat>
+        <inkml:channelProperties>
+          <inkml:channelProperty channel="X" name="resolution" value="1000" units="1/cm"/>
+          <inkml:channelProperty channel="Y" name="resolution" value="1000" units="1/cm"/>
+          <inkml:channelProperty channel="F" name="resolution" value="0" units="1/dev"/>
+        </inkml:channelProperties>
+      </inkml:inkSource>
+      <inkml:timestamp xml:id="ts0" timeString="2021-06-07T11:02:08.684"/>
+    </inkml:context>
+    <inkml:brush xml:id="br0">
+      <inkml:brushProperty name="width" value="0.05" units="cm"/>
+      <inkml:brushProperty name="height" value="0.05" units="cm"/>
+    </inkml:brush>
+  </inkml:definitions>
+  <inkml:trace contextRef="#ctx0" brushRef="#br0">187 4 25596,'0'0'4645,"-5"-1"-4536,-12-2-226,22 6 48,38 10 31,-6-2 56,-15-4-3,85 33 25,-96-36-37,-1 2 0,1-1 0,-1 2 0,-1-1-1,1 1 1,-1 1 0,12 12 0,-19-18 0,-1 1 1,1-1-1,-1 1 1,1 0-1,-1-1 1,0 1-1,0 0 1,-1 0-1,1 0 1,0 0-1,-1 0 1,0 0-1,0-1 1,0 1-1,0 0 1,0 0-1,0 0 1,-2 4-1,1 0 18,-1 1-1,0-1 1,-1 0 0,0 0-1,0-1 1,-6 11 0,-6 4 41,0-1 1,-1-1 0,-1 0 0,-23 19 0,-86 64 69,80-67-111,1 1 0,-44 48 0,85-79-11,1 0 0,-1 0 0,1 0-1,0 1 1,0 0 0,1 0 0,0-1 0,-3 13 0,4-12-659,-1 0 1,0 0 0,0 0-1,-1-1 1,0 1-1,-4 6 1</inkml:trace>
+</inkml:ink>
 </file>
 
 <file path=ppt/notesMasters/notesMaster1.xml><?xml version="1.0" encoding="utf-8"?>
@@ -15452,36 +15506,8 @@
           <a:p>
             <a:r>
               <a:rPr lang="ko-KR" altLang="en-US" dirty="0"/>
-              <a:t>내가 만든 코드는</a:t>
+              <a:t>개발자가 알아 두면 좋은 네트워크 개념</a:t>
             </a:r>
-            <a:br>
-              <a:rPr lang="en-US" altLang="ko-KR" dirty="0"/>
-            </a:br>
-            <a:r>
-              <a:rPr lang="ko-KR" altLang="en-US" dirty="0"/>
-              <a:t>개발</a:t>
-            </a:r>
-            <a:r>
-              <a:rPr lang="en-US" altLang="ko-KR" dirty="0"/>
-              <a:t>/</a:t>
-            </a:r>
-            <a:r>
-              <a:rPr lang="ko-KR" altLang="en-US" dirty="0"/>
-              <a:t>테스트</a:t>
-            </a:r>
-            <a:r>
-              <a:rPr lang="en-US" altLang="ko-KR" dirty="0"/>
-              <a:t>/</a:t>
-            </a:r>
-            <a:r>
-              <a:rPr lang="ko-KR" altLang="en-US" dirty="0"/>
-              <a:t>운영에서 작동합니다</a:t>
-            </a:r>
-            <a:r>
-              <a:rPr lang="en-US" altLang="ko-KR" dirty="0"/>
-              <a:t>.</a:t>
-            </a:r>
-            <a:endParaRPr lang="ko-KR" altLang="en-US" dirty="0"/>
           </a:p>
         </p:txBody>
       </p:sp>
@@ -15503,14 +15529,20 @@
         </p:nvSpPr>
         <p:spPr/>
         <p:txBody>
-          <a:bodyPr>
-            <a:normAutofit/>
-          </a:bodyPr>
+          <a:bodyPr/>
           <a:lstStyle/>
           <a:p>
             <a:r>
               <a:rPr lang="ko-KR" altLang="en-US" dirty="0"/>
-              <a:t>개발 환경</a:t>
+              <a:t>통신 </a:t>
+            </a:r>
+            <a:r>
+              <a:rPr lang="en-US" altLang="ko-KR" dirty="0"/>
+              <a:t>3</a:t>
+            </a:r>
+            <a:r>
+              <a:rPr lang="ko-KR" altLang="en-US" dirty="0"/>
+              <a:t>요소</a:t>
             </a:r>
             <a:endParaRPr lang="en-US" altLang="ko-KR" dirty="0"/>
           </a:p>
@@ -15518,109 +15550,204 @@
             <a:pPr lvl="1"/>
             <a:r>
               <a:rPr lang="ko-KR" altLang="en-US" dirty="0"/>
-              <a:t>내장형 </a:t>
+              <a:t>유선</a:t>
             </a:r>
             <a:r>
-              <a:rPr lang="ko-KR" altLang="en-US" dirty="0" err="1"/>
-              <a:t>톰캣</a:t>
-            </a:r>
-            <a:endParaRPr lang="en-US" altLang="ko-KR" dirty="0"/>
-          </a:p>
-          <a:p>
-            <a:pPr lvl="1"/>
-            <a:r>
               <a:rPr lang="en-US" altLang="ko-KR" dirty="0"/>
-              <a:t>PC, </a:t>
+              <a:t>(LAN), </a:t>
             </a:r>
             <a:r>
               <a:rPr lang="ko-KR" altLang="en-US" dirty="0"/>
-              <a:t>개발자 마다 환경이 다름</a:t>
-            </a:r>
-            <a:endParaRPr lang="en-US" altLang="ko-KR" dirty="0"/>
-          </a:p>
-          <a:p>
-            <a:r>
-              <a:rPr lang="ko-KR" altLang="en-US" dirty="0"/>
-              <a:t>테스트 환경</a:t>
-            </a:r>
-            <a:endParaRPr lang="en-US" altLang="ko-KR" dirty="0"/>
-          </a:p>
-          <a:p>
-            <a:pPr lvl="1"/>
-            <a:r>
-              <a:rPr lang="en-US" altLang="ko-KR" dirty="0"/>
-              <a:t>WEB/WAS, </a:t>
-            </a:r>
-            <a:r>
-              <a:rPr lang="en-US" altLang="ko-KR" dirty="0" err="1"/>
-              <a:t>javax.sql.DataSource</a:t>
+              <a:t>무선</a:t>
             </a:r>
             <a:r>
               <a:rPr lang="en-US" altLang="ko-KR" dirty="0"/>
-              <a:t> </a:t>
+              <a:t>(WIFI)</a:t>
             </a:r>
-            <a:r>
-              <a:rPr lang="ko-KR" altLang="en-US" dirty="0"/>
-              <a:t>사용</a:t>
-            </a:r>
-            <a:endParaRPr lang="en-US" altLang="ko-KR" dirty="0"/>
           </a:p>
           <a:p>
             <a:pPr lvl="1"/>
             <a:r>
               <a:rPr lang="ko-KR" altLang="en-US" dirty="0"/>
-              <a:t>데일리 빌드</a:t>
-            </a:r>
-            <a:r>
-              <a:rPr lang="en-US" altLang="ko-KR" dirty="0"/>
-              <a:t>(Daily Build)</a:t>
+              <a:t>통신매체 시그널 중단 없음</a:t>
             </a:r>
           </a:p>
+        </p:txBody>
+      </p:sp>
+      <p:sp>
+        <p:nvSpPr>
+          <p:cNvPr id="4" name="직사각형 3">
+            <a:extLst>
+              <a:ext uri="{FF2B5EF4-FFF2-40B4-BE49-F238E27FC236}">
+                <a16:creationId xmlns:a16="http://schemas.microsoft.com/office/drawing/2014/main" id="{603F50D1-9592-4BE9-BCCC-128C3D969486}"/>
+              </a:ext>
+            </a:extLst>
+          </p:cNvPr>
+          <p:cNvSpPr/>
+          <p:nvPr/>
+        </p:nvSpPr>
+        <p:spPr>
+          <a:xfrm>
+            <a:off x="2141086" y="3804911"/>
+            <a:ext cx="1139352" cy="495729"/>
+          </a:xfrm>
+          <a:prstGeom prst="rect">
+            <a:avLst/>
+          </a:prstGeom>
+        </p:spPr>
+        <p:style>
+          <a:lnRef idx="1">
+            <a:schemeClr val="accent3"/>
+          </a:lnRef>
+          <a:fillRef idx="2">
+            <a:schemeClr val="accent3"/>
+          </a:fillRef>
+          <a:effectRef idx="1">
+            <a:schemeClr val="accent3"/>
+          </a:effectRef>
+          <a:fontRef idx="minor">
+            <a:schemeClr val="dk1"/>
+          </a:fontRef>
+        </p:style>
+        <p:txBody>
+          <a:bodyPr rtlCol="0" anchor="ctr"/>
+          <a:lstStyle/>
+          <a:p>
+            <a:pPr algn="ctr"/>
+            <a:r>
+              <a:rPr lang="ko-KR" altLang="en-US" dirty="0"/>
+              <a:t>송신자</a:t>
+            </a:r>
+            <a:endParaRPr lang="en-US" altLang="ko-KR" dirty="0"/>
+          </a:p>
+        </p:txBody>
+      </p:sp>
+      <p:sp>
+        <p:nvSpPr>
+          <p:cNvPr id="5" name="직사각형 4">
+            <a:extLst>
+              <a:ext uri="{FF2B5EF4-FFF2-40B4-BE49-F238E27FC236}">
+                <a16:creationId xmlns:a16="http://schemas.microsoft.com/office/drawing/2014/main" id="{A70C5260-2B7D-422E-A476-26607C5AD7FC}"/>
+              </a:ext>
+            </a:extLst>
+          </p:cNvPr>
+          <p:cNvSpPr/>
+          <p:nvPr/>
+        </p:nvSpPr>
+        <p:spPr>
+          <a:xfrm>
+            <a:off x="5582883" y="3804911"/>
+            <a:ext cx="1026234" cy="495729"/>
+          </a:xfrm>
+          <a:prstGeom prst="rect">
+            <a:avLst/>
+          </a:prstGeom>
+        </p:spPr>
+        <p:style>
+          <a:lnRef idx="1">
+            <a:schemeClr val="accent3"/>
+          </a:lnRef>
+          <a:fillRef idx="2">
+            <a:schemeClr val="accent3"/>
+          </a:fillRef>
+          <a:effectRef idx="1">
+            <a:schemeClr val="accent3"/>
+          </a:effectRef>
+          <a:fontRef idx="minor">
+            <a:schemeClr val="dk1"/>
+          </a:fontRef>
+        </p:style>
+        <p:txBody>
+          <a:bodyPr rtlCol="0" anchor="ctr"/>
+          <a:lstStyle/>
+          <a:p>
+            <a:pPr algn="ctr"/>
+            <a:r>
+              <a:rPr lang="ko-KR" altLang="en-US" dirty="0"/>
+              <a:t>수신자</a:t>
+            </a:r>
+          </a:p>
+        </p:txBody>
+      </p:sp>
+      <p:cxnSp>
+        <p:nvCxnSpPr>
+          <p:cNvPr id="7" name="직선 연결선 6">
+            <a:extLst>
+              <a:ext uri="{FF2B5EF4-FFF2-40B4-BE49-F238E27FC236}">
+                <a16:creationId xmlns:a16="http://schemas.microsoft.com/office/drawing/2014/main" id="{FBF9D902-7A1B-4C17-A3D9-C7490C32691A}"/>
+              </a:ext>
+            </a:extLst>
+          </p:cNvPr>
+          <p:cNvCxnSpPr>
+            <a:cxnSpLocks/>
+            <a:stCxn id="4" idx="3"/>
+            <a:endCxn id="5" idx="1"/>
+          </p:cNvCxnSpPr>
+          <p:nvPr/>
+        </p:nvCxnSpPr>
+        <p:spPr>
+          <a:xfrm>
+            <a:off x="3280438" y="4052776"/>
+            <a:ext cx="2302445" cy="0"/>
+          </a:xfrm>
+          <a:prstGeom prst="line">
+            <a:avLst/>
+          </a:prstGeom>
+        </p:spPr>
+        <p:style>
+          <a:lnRef idx="3">
+            <a:schemeClr val="dk1"/>
+          </a:lnRef>
+          <a:fillRef idx="0">
+            <a:schemeClr val="dk1"/>
+          </a:fillRef>
+          <a:effectRef idx="2">
+            <a:schemeClr val="dk1"/>
+          </a:effectRef>
+          <a:fontRef idx="minor">
+            <a:schemeClr val="tx1"/>
+          </a:fontRef>
+        </p:style>
+      </p:cxnSp>
+      <p:sp>
+        <p:nvSpPr>
+          <p:cNvPr id="11" name="TextBox 10">
+            <a:extLst>
+              <a:ext uri="{FF2B5EF4-FFF2-40B4-BE49-F238E27FC236}">
+                <a16:creationId xmlns:a16="http://schemas.microsoft.com/office/drawing/2014/main" id="{008AAEE0-856F-484A-A722-362DC251B289}"/>
+              </a:ext>
+            </a:extLst>
+          </p:cNvPr>
+          <p:cNvSpPr txBox="1"/>
+          <p:nvPr/>
+        </p:nvSpPr>
+        <p:spPr>
+          <a:xfrm>
+            <a:off x="3877662" y="3634104"/>
+            <a:ext cx="1107996" cy="369332"/>
+          </a:xfrm>
+          <a:prstGeom prst="rect">
+            <a:avLst/>
+          </a:prstGeom>
+          <a:noFill/>
+        </p:spPr>
+        <p:txBody>
+          <a:bodyPr wrap="none" rtlCol="0">
+            <a:spAutoFit/>
+          </a:bodyPr>
+          <a:lstStyle/>
           <a:p>
             <a:r>
               <a:rPr lang="ko-KR" altLang="en-US" dirty="0"/>
-              <a:t>운영환경</a:t>
+              <a:t>통신매체</a:t>
             </a:r>
-            <a:endParaRPr lang="en-US" altLang="ko-KR" dirty="0"/>
-          </a:p>
-          <a:p>
-            <a:pPr lvl="1"/>
-            <a:r>
-              <a:rPr lang="ko-KR" altLang="en-US" dirty="0"/>
-              <a:t>이중화</a:t>
-            </a:r>
-            <a:r>
-              <a:rPr lang="en-US" altLang="ko-KR" dirty="0"/>
-              <a:t>, WAS </a:t>
-            </a:r>
-            <a:r>
-              <a:rPr lang="ko-KR" altLang="en-US" dirty="0"/>
-              <a:t>를 식별할 기준 필요</a:t>
-            </a:r>
-            <a:endParaRPr lang="en-US" altLang="ko-KR" dirty="0"/>
-          </a:p>
-          <a:p>
-            <a:pPr lvl="1"/>
-            <a:r>
-              <a:rPr lang="ko-KR" altLang="en-US" dirty="0"/>
-              <a:t>형상 통제</a:t>
-            </a:r>
-            <a:r>
-              <a:rPr lang="en-US" altLang="ko-KR" dirty="0"/>
-              <a:t>, </a:t>
-            </a:r>
-            <a:r>
-              <a:rPr lang="ko-KR" altLang="en-US" dirty="0"/>
-              <a:t>재가동 비용</a:t>
-            </a:r>
-            <a:endParaRPr lang="en-US" altLang="ko-KR" dirty="0"/>
           </a:p>
         </p:txBody>
       </p:sp>
     </p:spTree>
     <p:extLst>
       <p:ext uri="{BB962C8B-B14F-4D97-AF65-F5344CB8AC3E}">
-        <p14:creationId xmlns:p14="http://schemas.microsoft.com/office/powerpoint/2010/main" val="3942069664"/>
+        <p14:creationId xmlns:p14="http://schemas.microsoft.com/office/powerpoint/2010/main" val="2983092278"/>
       </p:ext>
     </p:extLst>
   </p:cSld>
@@ -15682,36 +15809,8 @@
           <a:p>
             <a:r>
               <a:rPr lang="ko-KR" altLang="en-US" dirty="0"/>
-              <a:t>내가 만든 코드는</a:t>
+              <a:t>개발자가 알아 두면 좋은 네트워크 개념</a:t>
             </a:r>
-            <a:br>
-              <a:rPr lang="en-US" altLang="ko-KR" dirty="0"/>
-            </a:br>
-            <a:r>
-              <a:rPr lang="ko-KR" altLang="en-US" dirty="0"/>
-              <a:t>개발</a:t>
-            </a:r>
-            <a:r>
-              <a:rPr lang="en-US" altLang="ko-KR" dirty="0"/>
-              <a:t>/</a:t>
-            </a:r>
-            <a:r>
-              <a:rPr lang="ko-KR" altLang="en-US" dirty="0"/>
-              <a:t>테스트</a:t>
-            </a:r>
-            <a:r>
-              <a:rPr lang="en-US" altLang="ko-KR" dirty="0"/>
-              <a:t>/</a:t>
-            </a:r>
-            <a:r>
-              <a:rPr lang="ko-KR" altLang="en-US" dirty="0"/>
-              <a:t>운영에서 작동합니다</a:t>
-            </a:r>
-            <a:r>
-              <a:rPr lang="en-US" altLang="ko-KR" dirty="0"/>
-              <a:t>.</a:t>
-            </a:r>
-            <a:endParaRPr lang="ko-KR" altLang="en-US" dirty="0"/>
           </a:p>
         </p:txBody>
       </p:sp>
@@ -15737,88 +15836,384 @@
           <a:lstStyle/>
           <a:p>
             <a:r>
-              <a:rPr lang="en-US" altLang="ko-KR" dirty="0" err="1"/>
-              <a:t>InitYaml</a:t>
+              <a:rPr lang="en-US" altLang="ko-KR" dirty="0"/>
+              <a:t>MAC (Media Access Control Address)</a:t>
+            </a:r>
+          </a:p>
+          <a:p>
+            <a:pPr lvl="1"/>
+            <a:r>
+              <a:rPr lang="ko-KR" altLang="en-US" dirty="0"/>
+              <a:t>물리적</a:t>
             </a:r>
             <a:r>
               <a:rPr lang="en-US" altLang="ko-KR" dirty="0"/>
-              <a:t> &gt; </a:t>
+              <a:t>, </a:t>
             </a:r>
             <a:r>
-              <a:rPr lang="en-US" altLang="ko-KR" dirty="0" err="1"/>
-              <a:t>RunCode</a:t>
+              <a:rPr lang="ko-KR" altLang="en-US" dirty="0"/>
+              <a:t>유일한 값</a:t>
             </a:r>
             <a:endParaRPr lang="en-US" altLang="ko-KR" dirty="0"/>
           </a:p>
           <a:p>
+            <a:pPr lvl="1"/>
+            <a:r>
+              <a:rPr lang="ko-KR" altLang="en-US" dirty="0"/>
+              <a:t>스위치에 연결된 모든 호스트에 데이터 전송</a:t>
+            </a:r>
             <a:endParaRPr lang="en-US" altLang="ko-KR" dirty="0"/>
+          </a:p>
+        </p:txBody>
+      </p:sp>
+      <p:sp>
+        <p:nvSpPr>
+          <p:cNvPr id="7" name="직사각형 6">
+            <a:extLst>
+              <a:ext uri="{FF2B5EF4-FFF2-40B4-BE49-F238E27FC236}">
+                <a16:creationId xmlns:a16="http://schemas.microsoft.com/office/drawing/2014/main" id="{87D226EF-6CF8-4B13-B123-1D1BAA00F05D}"/>
+              </a:ext>
+            </a:extLst>
+          </p:cNvPr>
+          <p:cNvSpPr/>
+          <p:nvPr/>
+        </p:nvSpPr>
+        <p:spPr>
+          <a:xfrm>
+            <a:off x="1945927" y="3974306"/>
+            <a:ext cx="1181470" cy="495729"/>
+          </a:xfrm>
+          <a:prstGeom prst="rect">
+            <a:avLst/>
+          </a:prstGeom>
+        </p:spPr>
+        <p:style>
+          <a:lnRef idx="1">
+            <a:schemeClr val="accent3"/>
+          </a:lnRef>
+          <a:fillRef idx="2">
+            <a:schemeClr val="accent3"/>
+          </a:fillRef>
+          <a:effectRef idx="1">
+            <a:schemeClr val="accent3"/>
+          </a:effectRef>
+          <a:fontRef idx="minor">
+            <a:schemeClr val="dk1"/>
+          </a:fontRef>
+        </p:style>
+        <p:txBody>
+          <a:bodyPr rtlCol="0" anchor="ctr"/>
+          <a:lstStyle/>
+          <a:p>
+            <a:pPr algn="ctr"/>
+            <a:r>
+              <a:rPr lang="ko-KR" altLang="en-US" dirty="0"/>
+              <a:t>송신자</a:t>
+            </a:r>
+            <a:r>
+              <a:rPr lang="en-US" altLang="ko-KR" dirty="0"/>
+              <a:t>A</a:t>
+            </a:r>
+            <a:endParaRPr lang="ko-KR" altLang="en-US" dirty="0"/>
+          </a:p>
+        </p:txBody>
+      </p:sp>
+      <p:sp>
+        <p:nvSpPr>
+          <p:cNvPr id="9" name="직사각형 8">
+            <a:extLst>
+              <a:ext uri="{FF2B5EF4-FFF2-40B4-BE49-F238E27FC236}">
+                <a16:creationId xmlns:a16="http://schemas.microsoft.com/office/drawing/2014/main" id="{CFB9D00F-1B68-43CA-B9F8-A6BEB4FDAE60}"/>
+              </a:ext>
+            </a:extLst>
+          </p:cNvPr>
+          <p:cNvSpPr/>
+          <p:nvPr/>
+        </p:nvSpPr>
+        <p:spPr>
+          <a:xfrm>
+            <a:off x="3622741" y="4007901"/>
+            <a:ext cx="1181470" cy="462133"/>
+          </a:xfrm>
+          <a:prstGeom prst="rect">
+            <a:avLst/>
+          </a:prstGeom>
+        </p:spPr>
+        <p:style>
+          <a:lnRef idx="0">
+            <a:schemeClr val="accent1"/>
+          </a:lnRef>
+          <a:fillRef idx="3">
+            <a:schemeClr val="accent1"/>
+          </a:fillRef>
+          <a:effectRef idx="3">
+            <a:schemeClr val="accent1"/>
+          </a:effectRef>
+          <a:fontRef idx="minor">
+            <a:schemeClr val="lt1"/>
+          </a:fontRef>
+        </p:style>
+        <p:txBody>
+          <a:bodyPr rtlCol="0" anchor="ctr"/>
+          <a:lstStyle/>
+          <a:p>
+            <a:pPr algn="ctr"/>
+            <a:r>
+              <a:rPr lang="ko-KR" altLang="en-US" dirty="0"/>
+              <a:t>스위치</a:t>
+            </a:r>
+          </a:p>
+        </p:txBody>
+      </p:sp>
+      <p:sp>
+        <p:nvSpPr>
+          <p:cNvPr id="11" name="직사각형 10">
+            <a:extLst>
+              <a:ext uri="{FF2B5EF4-FFF2-40B4-BE49-F238E27FC236}">
+                <a16:creationId xmlns:a16="http://schemas.microsoft.com/office/drawing/2014/main" id="{C128F8CA-0D3F-490C-8FBA-4F60D84B8A09}"/>
+              </a:ext>
+            </a:extLst>
+          </p:cNvPr>
+          <p:cNvSpPr/>
+          <p:nvPr/>
+        </p:nvSpPr>
+        <p:spPr>
+          <a:xfrm>
+            <a:off x="3622741" y="4924338"/>
+            <a:ext cx="1181470" cy="495729"/>
+          </a:xfrm>
+          <a:prstGeom prst="rect">
+            <a:avLst/>
+          </a:prstGeom>
+        </p:spPr>
+        <p:style>
+          <a:lnRef idx="1">
+            <a:schemeClr val="accent3"/>
+          </a:lnRef>
+          <a:fillRef idx="2">
+            <a:schemeClr val="accent3"/>
+          </a:fillRef>
+          <a:effectRef idx="1">
+            <a:schemeClr val="accent3"/>
+          </a:effectRef>
+          <a:fontRef idx="minor">
+            <a:schemeClr val="dk1"/>
+          </a:fontRef>
+        </p:style>
+        <p:txBody>
+          <a:bodyPr rtlCol="0" anchor="ctr"/>
+          <a:lstStyle/>
+          <a:p>
+            <a:pPr algn="ctr"/>
+            <a:r>
+              <a:rPr lang="ko-KR" altLang="en-US" dirty="0"/>
+              <a:t>수신자</a:t>
+            </a:r>
+            <a:r>
+              <a:rPr lang="en-US" altLang="ko-KR" dirty="0"/>
+              <a:t>B</a:t>
+            </a:r>
+            <a:endParaRPr lang="ko-KR" altLang="en-US" dirty="0"/>
+          </a:p>
+        </p:txBody>
+      </p:sp>
+      <p:sp>
+        <p:nvSpPr>
+          <p:cNvPr id="12" name="직사각형 11">
+            <a:extLst>
+              <a:ext uri="{FF2B5EF4-FFF2-40B4-BE49-F238E27FC236}">
+                <a16:creationId xmlns:a16="http://schemas.microsoft.com/office/drawing/2014/main" id="{0392E843-4BE9-4EA6-99B6-4B3EAE765D58}"/>
+              </a:ext>
+            </a:extLst>
+          </p:cNvPr>
+          <p:cNvSpPr/>
+          <p:nvPr/>
+        </p:nvSpPr>
+        <p:spPr>
+          <a:xfrm>
+            <a:off x="5299555" y="4007901"/>
+            <a:ext cx="1181470" cy="495729"/>
+          </a:xfrm>
+          <a:prstGeom prst="rect">
+            <a:avLst/>
+          </a:prstGeom>
+        </p:spPr>
+        <p:style>
+          <a:lnRef idx="1">
+            <a:schemeClr val="accent3"/>
+          </a:lnRef>
+          <a:fillRef idx="2">
+            <a:schemeClr val="accent3"/>
+          </a:fillRef>
+          <a:effectRef idx="1">
+            <a:schemeClr val="accent3"/>
+          </a:effectRef>
+          <a:fontRef idx="minor">
+            <a:schemeClr val="dk1"/>
+          </a:fontRef>
+        </p:style>
+        <p:txBody>
+          <a:bodyPr rtlCol="0" anchor="ctr"/>
+          <a:lstStyle/>
+          <a:p>
+            <a:pPr algn="ctr"/>
+            <a:r>
+              <a:rPr lang="ko-KR" altLang="en-US" dirty="0"/>
+              <a:t>라우터</a:t>
+            </a:r>
+          </a:p>
+        </p:txBody>
+      </p:sp>
+      <p:sp>
+        <p:nvSpPr>
+          <p:cNvPr id="14" name="직사각형 13">
+            <a:extLst>
+              <a:ext uri="{FF2B5EF4-FFF2-40B4-BE49-F238E27FC236}">
+                <a16:creationId xmlns:a16="http://schemas.microsoft.com/office/drawing/2014/main" id="{7DC01417-CF02-48AA-B5D2-435D4519CA17}"/>
+              </a:ext>
+            </a:extLst>
+          </p:cNvPr>
+          <p:cNvSpPr/>
+          <p:nvPr/>
+        </p:nvSpPr>
+        <p:spPr>
+          <a:xfrm>
+            <a:off x="6976369" y="3974305"/>
+            <a:ext cx="1181470" cy="495729"/>
+          </a:xfrm>
+          <a:prstGeom prst="rect">
+            <a:avLst/>
+          </a:prstGeom>
+        </p:spPr>
+        <p:style>
+          <a:lnRef idx="1">
+            <a:schemeClr val="accent3"/>
+          </a:lnRef>
+          <a:fillRef idx="2">
+            <a:schemeClr val="accent3"/>
+          </a:fillRef>
+          <a:effectRef idx="1">
+            <a:schemeClr val="accent3"/>
+          </a:effectRef>
+          <a:fontRef idx="minor">
+            <a:schemeClr val="dk1"/>
+          </a:fontRef>
+        </p:style>
+        <p:txBody>
+          <a:bodyPr rtlCol="0" anchor="ctr"/>
+          <a:lstStyle/>
+          <a:p>
+            <a:pPr algn="ctr"/>
+            <a:r>
+              <a:rPr lang="ko-KR" altLang="en-US" dirty="0"/>
+              <a:t>수신자</a:t>
+            </a:r>
+            <a:r>
+              <a:rPr lang="en-US" altLang="ko-KR" dirty="0"/>
+              <a:t>C</a:t>
+            </a:r>
+            <a:endParaRPr lang="ko-KR" altLang="en-US" dirty="0"/>
+          </a:p>
+        </p:txBody>
+      </p:sp>
+      <p:sp>
+        <p:nvSpPr>
+          <p:cNvPr id="13" name="TextBox 12">
+            <a:extLst>
+              <a:ext uri="{FF2B5EF4-FFF2-40B4-BE49-F238E27FC236}">
+                <a16:creationId xmlns:a16="http://schemas.microsoft.com/office/drawing/2014/main" id="{D858F2B1-A00B-4C27-B74C-6B9DEDE9DA17}"/>
+              </a:ext>
+            </a:extLst>
+          </p:cNvPr>
+          <p:cNvSpPr txBox="1"/>
+          <p:nvPr/>
+        </p:nvSpPr>
+        <p:spPr>
+          <a:xfrm>
+            <a:off x="554869" y="4648835"/>
+            <a:ext cx="1839030" cy="923330"/>
+          </a:xfrm>
+          <a:prstGeom prst="rect">
+            <a:avLst/>
+          </a:prstGeom>
+          <a:noFill/>
+        </p:spPr>
+        <p:txBody>
+          <a:bodyPr wrap="none" rtlCol="0">
+            <a:spAutoFit/>
+          </a:bodyPr>
+          <a:lstStyle/>
+          <a:p>
+            <a:r>
+              <a:rPr lang="en-US" altLang="ko-KR" dirty="0"/>
+              <a:t>FROM_MAC : A</a:t>
+            </a:r>
+          </a:p>
+          <a:p>
+            <a:r>
+              <a:rPr lang="en-US" altLang="ko-KR" dirty="0"/>
+              <a:t>TO_ MAC: B</a:t>
+            </a:r>
+          </a:p>
+          <a:p>
+            <a:r>
+              <a:rPr lang="ko-KR" altLang="en-US" dirty="0"/>
+              <a:t>데이터</a:t>
+            </a:r>
           </a:p>
         </p:txBody>
       </p:sp>
       <p:pic>
         <p:nvPicPr>
-          <p:cNvPr id="19" name="그림 18">
+          <p:cNvPr id="1026" name="Picture 2">
             <a:extLst>
               <a:ext uri="{FF2B5EF4-FFF2-40B4-BE49-F238E27FC236}">
-                <a16:creationId xmlns:a16="http://schemas.microsoft.com/office/drawing/2014/main" id="{49A7D946-653A-40BD-9C93-BD78348DA08B}"/>
+                <a16:creationId xmlns:a16="http://schemas.microsoft.com/office/drawing/2014/main" id="{B3E1D91D-96CC-42F8-9737-045655BCDE13}"/>
               </a:ext>
             </a:extLst>
           </p:cNvPr>
           <p:cNvPicPr>
-            <a:picLocks noChangeAspect="1"/>
+            <a:picLocks noChangeAspect="1" noChangeArrowheads="1"/>
           </p:cNvPicPr>
           <p:nvPr/>
         </p:nvPicPr>
         <p:blipFill>
-          <a:blip r:embed="rId2"/>
+          <a:blip r:embed="rId2">
+            <a:extLst>
+              <a:ext uri="{28A0092B-C50C-407E-A947-70E740481C1C}">
+                <a14:useLocalDpi xmlns:a14="http://schemas.microsoft.com/office/drawing/2010/main" val="0"/>
+              </a:ext>
+            </a:extLst>
+          </a:blip>
+          <a:srcRect/>
           <a:stretch>
             <a:fillRect/>
           </a:stretch>
         </p:blipFill>
-        <p:spPr>
+        <p:spPr bwMode="auto">
           <a:xfrm>
-            <a:off x="1729398" y="2519534"/>
-            <a:ext cx="1784546" cy="3271666"/>
+            <a:off x="8538785" y="1484737"/>
+            <a:ext cx="3280943" cy="1944263"/>
           </a:xfrm>
           <a:prstGeom prst="rect">
             <a:avLst/>
           </a:prstGeom>
-        </p:spPr>
-      </p:pic>
-      <p:pic>
-        <p:nvPicPr>
-          <p:cNvPr id="21" name="그림 20">
-            <a:extLst>
-              <a:ext uri="{FF2B5EF4-FFF2-40B4-BE49-F238E27FC236}">
-                <a16:creationId xmlns:a16="http://schemas.microsoft.com/office/drawing/2014/main" id="{7CB74D01-2BC6-4AC3-B9D8-3B9280C50AF4}"/>
-              </a:ext>
-            </a:extLst>
-          </p:cNvPr>
-          <p:cNvPicPr>
-            <a:picLocks noChangeAspect="1"/>
-          </p:cNvPicPr>
-          <p:nvPr/>
-        </p:nvPicPr>
-        <p:blipFill>
-          <a:blip r:embed="rId3"/>
-          <a:stretch>
-            <a:fillRect/>
-          </a:stretch>
-        </p:blipFill>
-        <p:spPr>
-          <a:xfrm>
-            <a:off x="4672953" y="2387966"/>
-            <a:ext cx="5224052" cy="3338680"/>
-          </a:xfrm>
-          <a:prstGeom prst="rect">
-            <a:avLst/>
-          </a:prstGeom>
+          <a:noFill/>
+          <a:extLst>
+            <a:ext uri="{909E8E84-426E-40DD-AFC4-6F175D3DCCD1}">
+              <a14:hiddenFill xmlns:a14="http://schemas.microsoft.com/office/drawing/2010/main">
+                <a:solidFill>
+                  <a:srgbClr val="FFFFFF"/>
+                </a:solidFill>
+              </a14:hiddenFill>
+            </a:ext>
+          </a:extLst>
         </p:spPr>
       </p:pic>
     </p:spTree>
     <p:extLst>
       <p:ext uri="{BB962C8B-B14F-4D97-AF65-F5344CB8AC3E}">
-        <p14:creationId xmlns:p14="http://schemas.microsoft.com/office/powerpoint/2010/main" val="2983092278"/>
+        <p14:creationId xmlns:p14="http://schemas.microsoft.com/office/powerpoint/2010/main" val="3452382363"/>
       </p:ext>
     </p:extLst>
   </p:cSld>
@@ -15880,36 +16275,8 @@
           <a:p>
             <a:r>
               <a:rPr lang="ko-KR" altLang="en-US" dirty="0"/>
-              <a:t>내가 만든 코드는</a:t>
+              <a:t>개발자가 알아 두면 좋은 네트워크 개념</a:t>
             </a:r>
-            <a:br>
-              <a:rPr lang="en-US" altLang="ko-KR" dirty="0"/>
-            </a:br>
-            <a:r>
-              <a:rPr lang="ko-KR" altLang="en-US" dirty="0"/>
-              <a:t>개발</a:t>
-            </a:r>
-            <a:r>
-              <a:rPr lang="en-US" altLang="ko-KR" dirty="0"/>
-              <a:t>/</a:t>
-            </a:r>
-            <a:r>
-              <a:rPr lang="ko-KR" altLang="en-US" dirty="0"/>
-              <a:t>테스트</a:t>
-            </a:r>
-            <a:r>
-              <a:rPr lang="en-US" altLang="ko-KR" dirty="0"/>
-              <a:t>/</a:t>
-            </a:r>
-            <a:r>
-              <a:rPr lang="ko-KR" altLang="en-US" dirty="0"/>
-              <a:t>운영에서 작동합니다</a:t>
-            </a:r>
-            <a:r>
-              <a:rPr lang="en-US" altLang="ko-KR" dirty="0"/>
-              <a:t>.</a:t>
-            </a:r>
-            <a:endParaRPr lang="ko-KR" altLang="en-US" dirty="0"/>
           </a:p>
         </p:txBody>
       </p:sp>
@@ -15935,118 +16302,716 @@
           <a:lstStyle/>
           <a:p>
             <a:r>
-              <a:rPr lang="en-US" altLang="ko-KR" dirty="0" err="1"/>
-              <a:t>InitYaml</a:t>
+              <a:rPr lang="en-US" altLang="ko-KR" dirty="0"/>
+              <a:t>IP </a:t>
+            </a:r>
+            <a:r>
+              <a:rPr lang="ko-KR" altLang="en-US" dirty="0"/>
+              <a:t>주소 </a:t>
             </a:r>
             <a:r>
               <a:rPr lang="en-US" altLang="ko-KR" dirty="0"/>
-              <a:t> &gt; </a:t>
+              <a:t>(Internet Protocol address)</a:t>
             </a:r>
+          </a:p>
+          <a:p>
+            <a:pPr lvl="1"/>
             <a:r>
-              <a:rPr lang="en-US" altLang="ko-KR" dirty="0" err="1"/>
-              <a:t>MasterController</a:t>
+              <a:rPr lang="ko-KR" altLang="en-US" dirty="0"/>
+              <a:t>논리적 식별자</a:t>
             </a:r>
             <a:endParaRPr lang="en-US" altLang="ko-KR" dirty="0"/>
           </a:p>
           <a:p>
+            <a:pPr lvl="1"/>
+            <a:r>
+              <a:rPr lang="ko-KR" altLang="en-US" dirty="0"/>
+              <a:t>패킷</a:t>
+            </a:r>
             <a:endParaRPr lang="en-US" altLang="ko-KR" dirty="0"/>
+          </a:p>
+        </p:txBody>
+      </p:sp>
+      <p:sp>
+        <p:nvSpPr>
+          <p:cNvPr id="7" name="직사각형 6">
+            <a:extLst>
+              <a:ext uri="{FF2B5EF4-FFF2-40B4-BE49-F238E27FC236}">
+                <a16:creationId xmlns:a16="http://schemas.microsoft.com/office/drawing/2014/main" id="{87D226EF-6CF8-4B13-B123-1D1BAA00F05D}"/>
+              </a:ext>
+            </a:extLst>
+          </p:cNvPr>
+          <p:cNvSpPr/>
+          <p:nvPr/>
+        </p:nvSpPr>
+        <p:spPr>
+          <a:xfrm>
+            <a:off x="1932770" y="3395405"/>
+            <a:ext cx="1181470" cy="495729"/>
+          </a:xfrm>
+          <a:prstGeom prst="rect">
+            <a:avLst/>
+          </a:prstGeom>
+        </p:spPr>
+        <p:style>
+          <a:lnRef idx="1">
+            <a:schemeClr val="accent3"/>
+          </a:lnRef>
+          <a:fillRef idx="2">
+            <a:schemeClr val="accent3"/>
+          </a:fillRef>
+          <a:effectRef idx="1">
+            <a:schemeClr val="accent3"/>
+          </a:effectRef>
+          <a:fontRef idx="minor">
+            <a:schemeClr val="dk1"/>
+          </a:fontRef>
+        </p:style>
+        <p:txBody>
+          <a:bodyPr rtlCol="0" anchor="ctr"/>
+          <a:lstStyle/>
+          <a:p>
+            <a:pPr algn="ctr"/>
+            <a:r>
+              <a:rPr lang="ko-KR" altLang="en-US" dirty="0"/>
+              <a:t>송신자</a:t>
+            </a:r>
+            <a:r>
+              <a:rPr lang="en-US" altLang="ko-KR" dirty="0"/>
+              <a:t>A</a:t>
+            </a:r>
+            <a:endParaRPr lang="ko-KR" altLang="en-US" dirty="0"/>
+          </a:p>
+        </p:txBody>
+      </p:sp>
+      <p:sp>
+        <p:nvSpPr>
+          <p:cNvPr id="11" name="직사각형 10">
+            <a:extLst>
+              <a:ext uri="{FF2B5EF4-FFF2-40B4-BE49-F238E27FC236}">
+                <a16:creationId xmlns:a16="http://schemas.microsoft.com/office/drawing/2014/main" id="{C128F8CA-0D3F-490C-8FBA-4F60D84B8A09}"/>
+              </a:ext>
+            </a:extLst>
+          </p:cNvPr>
+          <p:cNvSpPr/>
+          <p:nvPr/>
+        </p:nvSpPr>
+        <p:spPr>
+          <a:xfrm>
+            <a:off x="5316000" y="3390471"/>
+            <a:ext cx="1181470" cy="495729"/>
+          </a:xfrm>
+          <a:prstGeom prst="rect">
+            <a:avLst/>
+          </a:prstGeom>
+        </p:spPr>
+        <p:style>
+          <a:lnRef idx="1">
+            <a:schemeClr val="accent3"/>
+          </a:lnRef>
+          <a:fillRef idx="2">
+            <a:schemeClr val="accent3"/>
+          </a:fillRef>
+          <a:effectRef idx="1">
+            <a:schemeClr val="accent3"/>
+          </a:effectRef>
+          <a:fontRef idx="minor">
+            <a:schemeClr val="dk1"/>
+          </a:fontRef>
+        </p:style>
+        <p:txBody>
+          <a:bodyPr rtlCol="0" anchor="ctr"/>
+          <a:lstStyle/>
+          <a:p>
+            <a:pPr algn="ctr"/>
+            <a:r>
+              <a:rPr lang="ko-KR" altLang="en-US" dirty="0"/>
+              <a:t>인터넷</a:t>
+            </a:r>
+          </a:p>
+        </p:txBody>
+      </p:sp>
+      <p:sp>
+        <p:nvSpPr>
+          <p:cNvPr id="12" name="직사각형 11">
+            <a:extLst>
+              <a:ext uri="{FF2B5EF4-FFF2-40B4-BE49-F238E27FC236}">
+                <a16:creationId xmlns:a16="http://schemas.microsoft.com/office/drawing/2014/main" id="{0392E843-4BE9-4EA6-99B6-4B3EAE765D58}"/>
+              </a:ext>
+            </a:extLst>
+          </p:cNvPr>
+          <p:cNvSpPr/>
+          <p:nvPr/>
+        </p:nvSpPr>
+        <p:spPr>
+          <a:xfrm>
+            <a:off x="3609584" y="3405271"/>
+            <a:ext cx="1181470" cy="495729"/>
+          </a:xfrm>
+          <a:prstGeom prst="rect">
+            <a:avLst/>
+          </a:prstGeom>
+        </p:spPr>
+        <p:style>
+          <a:lnRef idx="1">
+            <a:schemeClr val="accent3"/>
+          </a:lnRef>
+          <a:fillRef idx="2">
+            <a:schemeClr val="accent3"/>
+          </a:fillRef>
+          <a:effectRef idx="1">
+            <a:schemeClr val="accent3"/>
+          </a:effectRef>
+          <a:fontRef idx="minor">
+            <a:schemeClr val="dk1"/>
+          </a:fontRef>
+        </p:style>
+        <p:txBody>
+          <a:bodyPr rtlCol="0" anchor="ctr"/>
+          <a:lstStyle/>
+          <a:p>
+            <a:pPr algn="ctr"/>
+            <a:r>
+              <a:rPr lang="ko-KR" altLang="en-US" dirty="0"/>
+              <a:t>라우터</a:t>
+            </a:r>
+          </a:p>
+        </p:txBody>
+      </p:sp>
+      <p:sp>
+        <p:nvSpPr>
+          <p:cNvPr id="8" name="직사각형 7">
+            <a:extLst>
+              <a:ext uri="{FF2B5EF4-FFF2-40B4-BE49-F238E27FC236}">
+                <a16:creationId xmlns:a16="http://schemas.microsoft.com/office/drawing/2014/main" id="{3B209D68-2F0E-433D-AC3F-B6AA97C5C53C}"/>
+              </a:ext>
+            </a:extLst>
+          </p:cNvPr>
+          <p:cNvSpPr/>
+          <p:nvPr/>
+        </p:nvSpPr>
+        <p:spPr>
+          <a:xfrm>
+            <a:off x="7022416" y="3390470"/>
+            <a:ext cx="1181470" cy="495729"/>
+          </a:xfrm>
+          <a:prstGeom prst="rect">
+            <a:avLst/>
+          </a:prstGeom>
+        </p:spPr>
+        <p:style>
+          <a:lnRef idx="1">
+            <a:schemeClr val="accent3"/>
+          </a:lnRef>
+          <a:fillRef idx="2">
+            <a:schemeClr val="accent3"/>
+          </a:fillRef>
+          <a:effectRef idx="1">
+            <a:schemeClr val="accent3"/>
+          </a:effectRef>
+          <a:fontRef idx="minor">
+            <a:schemeClr val="dk1"/>
+          </a:fontRef>
+        </p:style>
+        <p:txBody>
+          <a:bodyPr rtlCol="0" anchor="ctr"/>
+          <a:lstStyle/>
+          <a:p>
+            <a:pPr algn="ctr"/>
+            <a:r>
+              <a:rPr lang="ko-KR" altLang="en-US" dirty="0"/>
+              <a:t>수신자</a:t>
+            </a:r>
+            <a:r>
+              <a:rPr lang="en-US" altLang="ko-KR" dirty="0"/>
+              <a:t>C</a:t>
+            </a:r>
+            <a:endParaRPr lang="ko-KR" altLang="en-US" dirty="0"/>
+          </a:p>
+        </p:txBody>
+      </p:sp>
+      <p:sp>
+        <p:nvSpPr>
+          <p:cNvPr id="13" name="직사각형 12">
+            <a:extLst>
+              <a:ext uri="{FF2B5EF4-FFF2-40B4-BE49-F238E27FC236}">
+                <a16:creationId xmlns:a16="http://schemas.microsoft.com/office/drawing/2014/main" id="{3B5DDCD1-FE2F-4440-BDDB-D115FC261CDF}"/>
+              </a:ext>
+            </a:extLst>
+          </p:cNvPr>
+          <p:cNvSpPr/>
+          <p:nvPr/>
+        </p:nvSpPr>
+        <p:spPr>
+          <a:xfrm>
+            <a:off x="2774125" y="4226097"/>
+            <a:ext cx="1181470" cy="462133"/>
+          </a:xfrm>
+          <a:prstGeom prst="rect">
+            <a:avLst/>
+          </a:prstGeom>
+        </p:spPr>
+        <p:style>
+          <a:lnRef idx="0">
+            <a:schemeClr val="accent1"/>
+          </a:lnRef>
+          <a:fillRef idx="3">
+            <a:schemeClr val="accent1"/>
+          </a:fillRef>
+          <a:effectRef idx="3">
+            <a:schemeClr val="accent1"/>
+          </a:effectRef>
+          <a:fontRef idx="minor">
+            <a:schemeClr val="lt1"/>
+          </a:fontRef>
+        </p:style>
+        <p:txBody>
+          <a:bodyPr rtlCol="0" anchor="ctr"/>
+          <a:lstStyle/>
+          <a:p>
+            <a:pPr algn="ctr"/>
+            <a:r>
+              <a:rPr lang="ko-KR" altLang="en-US" dirty="0"/>
+              <a:t>스위치</a:t>
+            </a:r>
+          </a:p>
+        </p:txBody>
+      </p:sp>
+      <p:sp>
+        <p:nvSpPr>
+          <p:cNvPr id="14" name="직사각형 13">
+            <a:extLst>
+              <a:ext uri="{FF2B5EF4-FFF2-40B4-BE49-F238E27FC236}">
+                <a16:creationId xmlns:a16="http://schemas.microsoft.com/office/drawing/2014/main" id="{AA62A27A-121B-4265-9BA6-23296D9DA687}"/>
+              </a:ext>
+            </a:extLst>
+          </p:cNvPr>
+          <p:cNvSpPr/>
+          <p:nvPr/>
+        </p:nvSpPr>
+        <p:spPr>
+          <a:xfrm>
+            <a:off x="4497670" y="4235963"/>
+            <a:ext cx="1181470" cy="462133"/>
+          </a:xfrm>
+          <a:prstGeom prst="rect">
+            <a:avLst/>
+          </a:prstGeom>
+        </p:spPr>
+        <p:style>
+          <a:lnRef idx="0">
+            <a:schemeClr val="accent1"/>
+          </a:lnRef>
+          <a:fillRef idx="3">
+            <a:schemeClr val="accent1"/>
+          </a:fillRef>
+          <a:effectRef idx="3">
+            <a:schemeClr val="accent1"/>
+          </a:effectRef>
+          <a:fontRef idx="minor">
+            <a:schemeClr val="lt1"/>
+          </a:fontRef>
+        </p:style>
+        <p:txBody>
+          <a:bodyPr rtlCol="0" anchor="ctr"/>
+          <a:lstStyle/>
+          <a:p>
+            <a:pPr algn="ctr"/>
+            <a:r>
+              <a:rPr lang="ko-KR" altLang="en-US" dirty="0"/>
+              <a:t>스위치</a:t>
+            </a:r>
+          </a:p>
+        </p:txBody>
+      </p:sp>
+      <p:sp>
+        <p:nvSpPr>
+          <p:cNvPr id="15" name="직사각형 14">
+            <a:extLst>
+              <a:ext uri="{FF2B5EF4-FFF2-40B4-BE49-F238E27FC236}">
+                <a16:creationId xmlns:a16="http://schemas.microsoft.com/office/drawing/2014/main" id="{FC75AB56-FA68-44F7-B34E-E52D1B5A2497}"/>
+              </a:ext>
+            </a:extLst>
+          </p:cNvPr>
+          <p:cNvSpPr/>
+          <p:nvPr/>
+        </p:nvSpPr>
+        <p:spPr>
+          <a:xfrm>
+            <a:off x="6293579" y="4239252"/>
+            <a:ext cx="1181470" cy="462133"/>
+          </a:xfrm>
+          <a:prstGeom prst="rect">
+            <a:avLst/>
+          </a:prstGeom>
+        </p:spPr>
+        <p:style>
+          <a:lnRef idx="0">
+            <a:schemeClr val="accent1"/>
+          </a:lnRef>
+          <a:fillRef idx="3">
+            <a:schemeClr val="accent1"/>
+          </a:fillRef>
+          <a:effectRef idx="3">
+            <a:schemeClr val="accent1"/>
+          </a:effectRef>
+          <a:fontRef idx="minor">
+            <a:schemeClr val="lt1"/>
+          </a:fontRef>
+        </p:style>
+        <p:txBody>
+          <a:bodyPr rtlCol="0" anchor="ctr"/>
+          <a:lstStyle/>
+          <a:p>
+            <a:pPr algn="ctr"/>
+            <a:r>
+              <a:rPr lang="ko-KR" altLang="en-US" dirty="0"/>
+              <a:t>스위치</a:t>
+            </a:r>
+          </a:p>
+        </p:txBody>
+      </p:sp>
+      <p:sp>
+        <p:nvSpPr>
+          <p:cNvPr id="18" name="TextBox 17">
+            <a:extLst>
+              <a:ext uri="{FF2B5EF4-FFF2-40B4-BE49-F238E27FC236}">
+                <a16:creationId xmlns:a16="http://schemas.microsoft.com/office/drawing/2014/main" id="{002C1F53-131D-44A5-96EA-E2C0B40D1B77}"/>
+              </a:ext>
+            </a:extLst>
+          </p:cNvPr>
+          <p:cNvSpPr txBox="1"/>
+          <p:nvPr/>
+        </p:nvSpPr>
+        <p:spPr>
+          <a:xfrm>
+            <a:off x="7813194" y="4648835"/>
+            <a:ext cx="2390398" cy="1477328"/>
+          </a:xfrm>
+          <a:prstGeom prst="rect">
+            <a:avLst/>
+          </a:prstGeom>
+          <a:noFill/>
+        </p:spPr>
+        <p:txBody>
+          <a:bodyPr wrap="none" rtlCol="0">
+            <a:spAutoFit/>
+          </a:bodyPr>
+          <a:lstStyle/>
+          <a:p>
+            <a:r>
+              <a:rPr lang="en-US" altLang="ko-KR" dirty="0">
+                <a:solidFill>
+                  <a:srgbClr val="FF0000"/>
+                </a:solidFill>
+              </a:rPr>
+              <a:t>FROM_MAC : </a:t>
+            </a:r>
+            <a:r>
+              <a:rPr lang="ko-KR" altLang="en-US" dirty="0">
+                <a:solidFill>
+                  <a:srgbClr val="FF0000"/>
+                </a:solidFill>
+              </a:rPr>
+              <a:t>인터넷</a:t>
+            </a:r>
+            <a:br>
+              <a:rPr lang="en-US" altLang="ko-KR" dirty="0">
+                <a:solidFill>
+                  <a:srgbClr val="FF0000"/>
+                </a:solidFill>
+              </a:rPr>
+            </a:br>
+            <a:r>
+              <a:rPr lang="en-US" altLang="ko-KR" dirty="0"/>
+              <a:t>FROM_ IP : A</a:t>
+            </a:r>
+            <a:br>
+              <a:rPr lang="en-US" altLang="ko-KR" dirty="0"/>
+            </a:br>
+            <a:r>
+              <a:rPr lang="en-US" altLang="ko-KR" dirty="0">
+                <a:solidFill>
+                  <a:srgbClr val="FF0000"/>
+                </a:solidFill>
+              </a:rPr>
+              <a:t>TO_MAC : C</a:t>
+            </a:r>
+          </a:p>
+          <a:p>
+            <a:r>
+              <a:rPr lang="en-US" altLang="ko-KR" dirty="0"/>
+              <a:t>TO_ IP : C</a:t>
+            </a:r>
+          </a:p>
+          <a:p>
+            <a:r>
+              <a:rPr lang="ko-KR" altLang="en-US" dirty="0"/>
+              <a:t>데이터</a:t>
+            </a:r>
+          </a:p>
+        </p:txBody>
+      </p:sp>
+      <p:sp>
+        <p:nvSpPr>
+          <p:cNvPr id="19" name="TextBox 18">
+            <a:extLst>
+              <a:ext uri="{FF2B5EF4-FFF2-40B4-BE49-F238E27FC236}">
+                <a16:creationId xmlns:a16="http://schemas.microsoft.com/office/drawing/2014/main" id="{3CC9E248-05DD-4A8C-9F55-06FD32B77056}"/>
+              </a:ext>
+            </a:extLst>
+          </p:cNvPr>
+          <p:cNvSpPr txBox="1"/>
+          <p:nvPr/>
+        </p:nvSpPr>
+        <p:spPr>
+          <a:xfrm>
+            <a:off x="554869" y="4648835"/>
+            <a:ext cx="2027158" cy="1477328"/>
+          </a:xfrm>
+          <a:prstGeom prst="rect">
+            <a:avLst/>
+          </a:prstGeom>
+          <a:noFill/>
+        </p:spPr>
+        <p:txBody>
+          <a:bodyPr wrap="none" rtlCol="0">
+            <a:spAutoFit/>
+          </a:bodyPr>
+          <a:lstStyle/>
+          <a:p>
+            <a:r>
+              <a:rPr lang="en-US" altLang="ko-KR" dirty="0">
+                <a:solidFill>
+                  <a:srgbClr val="FF0000"/>
+                </a:solidFill>
+              </a:rPr>
+              <a:t>FROM_MAC : A</a:t>
+            </a:r>
+            <a:br>
+              <a:rPr lang="en-US" altLang="ko-KR" dirty="0">
+                <a:solidFill>
+                  <a:srgbClr val="FF0000"/>
+                </a:solidFill>
+              </a:rPr>
+            </a:br>
+            <a:r>
+              <a:rPr lang="en-US" altLang="ko-KR" dirty="0"/>
+              <a:t>FROM_ IP : A</a:t>
+            </a:r>
+            <a:br>
+              <a:rPr lang="en-US" altLang="ko-KR" dirty="0"/>
+            </a:br>
+            <a:r>
+              <a:rPr lang="en-US" altLang="ko-KR" dirty="0">
+                <a:solidFill>
+                  <a:srgbClr val="FF0000"/>
+                </a:solidFill>
+              </a:rPr>
+              <a:t>TO_MAC : </a:t>
+            </a:r>
+            <a:r>
+              <a:rPr lang="ko-KR" altLang="en-US" dirty="0">
+                <a:solidFill>
+                  <a:srgbClr val="FF0000"/>
+                </a:solidFill>
+              </a:rPr>
+              <a:t>라우터</a:t>
+            </a:r>
+            <a:endParaRPr lang="en-US" altLang="ko-KR" dirty="0">
+              <a:solidFill>
+                <a:srgbClr val="FF0000"/>
+              </a:solidFill>
+            </a:endParaRPr>
+          </a:p>
+          <a:p>
+            <a:r>
+              <a:rPr lang="en-US" altLang="ko-KR" dirty="0"/>
+              <a:t>TO_ IP : C</a:t>
+            </a:r>
+          </a:p>
+          <a:p>
+            <a:r>
+              <a:rPr lang="ko-KR" altLang="en-US" dirty="0"/>
+              <a:t>데이터</a:t>
+            </a:r>
           </a:p>
         </p:txBody>
       </p:sp>
       <p:pic>
         <p:nvPicPr>
-          <p:cNvPr id="19" name="그림 18">
+          <p:cNvPr id="20" name="Picture 2">
             <a:extLst>
               <a:ext uri="{FF2B5EF4-FFF2-40B4-BE49-F238E27FC236}">
-                <a16:creationId xmlns:a16="http://schemas.microsoft.com/office/drawing/2014/main" id="{49A7D946-653A-40BD-9C93-BD78348DA08B}"/>
+                <a16:creationId xmlns:a16="http://schemas.microsoft.com/office/drawing/2014/main" id="{61A9B30D-8190-432D-8F85-CEB9F0E3E5FB}"/>
               </a:ext>
             </a:extLst>
           </p:cNvPr>
           <p:cNvPicPr>
-            <a:picLocks noChangeAspect="1"/>
+            <a:picLocks noChangeAspect="1" noChangeArrowheads="1"/>
           </p:cNvPicPr>
           <p:nvPr/>
         </p:nvPicPr>
         <p:blipFill>
-          <a:blip r:embed="rId2"/>
+          <a:blip r:embed="rId2">
+            <a:extLst>
+              <a:ext uri="{28A0092B-C50C-407E-A947-70E740481C1C}">
+                <a14:useLocalDpi xmlns:a14="http://schemas.microsoft.com/office/drawing/2010/main" val="0"/>
+              </a:ext>
+            </a:extLst>
+          </a:blip>
+          <a:srcRect/>
           <a:stretch>
             <a:fillRect/>
           </a:stretch>
         </p:blipFill>
-        <p:spPr>
+        <p:spPr bwMode="auto">
           <a:xfrm>
-            <a:off x="1729398" y="2519534"/>
-            <a:ext cx="1784546" cy="3271666"/>
+            <a:off x="8538785" y="1484737"/>
+            <a:ext cx="3280943" cy="1944263"/>
           </a:xfrm>
           <a:prstGeom prst="rect">
             <a:avLst/>
           </a:prstGeom>
+          <a:noFill/>
+          <a:extLst>
+            <a:ext uri="{909E8E84-426E-40DD-AFC4-6F175D3DCCD1}">
+              <a14:hiddenFill xmlns:a14="http://schemas.microsoft.com/office/drawing/2010/main">
+                <a:solidFill>
+                  <a:srgbClr val="FFFFFF"/>
+                </a:solidFill>
+              </a14:hiddenFill>
+            </a:ext>
+          </a:extLst>
         </p:spPr>
       </p:pic>
-      <p:pic>
-        <p:nvPicPr>
-          <p:cNvPr id="5" name="그림 4">
+      <p:grpSp>
+        <p:nvGrpSpPr>
+          <p:cNvPr id="10" name="그룹 9">
             <a:extLst>
               <a:ext uri="{FF2B5EF4-FFF2-40B4-BE49-F238E27FC236}">
-                <a16:creationId xmlns:a16="http://schemas.microsoft.com/office/drawing/2014/main" id="{8C59D64D-22B5-4628-840A-0BCEB530ECB6}"/>
+                <a16:creationId xmlns:a16="http://schemas.microsoft.com/office/drawing/2014/main" id="{3EDD7008-EEA7-44DE-B03F-CB2652505FB3}"/>
               </a:ext>
             </a:extLst>
           </p:cNvPr>
-          <p:cNvPicPr>
-            <a:picLocks noChangeAspect="1"/>
-          </p:cNvPicPr>
+          <p:cNvGrpSpPr/>
           <p:nvPr/>
-        </p:nvPicPr>
-        <p:blipFill>
-          <a:blip r:embed="rId3"/>
-          <a:stretch>
-            <a:fillRect/>
-          </a:stretch>
-        </p:blipFill>
-        <p:spPr>
+        </p:nvGrpSpPr>
+        <p:grpSpPr>
           <a:xfrm>
-            <a:off x="4556650" y="2519534"/>
-            <a:ext cx="5096054" cy="929510"/>
+            <a:off x="6603180" y="3492111"/>
+            <a:ext cx="407880" cy="264960"/>
+            <a:chOff x="6603180" y="3492111"/>
+            <a:chExt cx="407880" cy="264960"/>
           </a:xfrm>
-          <a:prstGeom prst="rect">
-            <a:avLst/>
-          </a:prstGeom>
-        </p:spPr>
-      </p:pic>
-      <p:pic>
-        <p:nvPicPr>
-          <p:cNvPr id="7" name="그림 6">
-            <a:extLst>
-              <a:ext uri="{FF2B5EF4-FFF2-40B4-BE49-F238E27FC236}">
-                <a16:creationId xmlns:a16="http://schemas.microsoft.com/office/drawing/2014/main" id="{FEA40860-C713-40E3-8E16-47A4ED91C8DF}"/>
-              </a:ext>
-            </a:extLst>
-          </p:cNvPr>
-          <p:cNvPicPr>
-            <a:picLocks noChangeAspect="1"/>
-          </p:cNvPicPr>
-          <p:nvPr/>
-        </p:nvPicPr>
-        <p:blipFill>
-          <a:blip r:embed="rId4"/>
-          <a:stretch>
-            <a:fillRect/>
-          </a:stretch>
-        </p:blipFill>
-        <p:spPr>
-          <a:xfrm>
-            <a:off x="4624627" y="3826061"/>
-            <a:ext cx="6139274" cy="1898163"/>
-          </a:xfrm>
-          <a:prstGeom prst="rect">
-            <a:avLst/>
-          </a:prstGeom>
-        </p:spPr>
-      </p:pic>
+        </p:grpSpPr>
+        <mc:AlternateContent xmlns:mc="http://schemas.openxmlformats.org/markup-compatibility/2006" xmlns:p14="http://schemas.microsoft.com/office/powerpoint/2010/main">
+          <mc:Choice Requires="p14">
+            <p:contentPart p14:bwMode="auto" r:id="rId3">
+              <p14:nvContentPartPr>
+                <p14:cNvPr id="6" name="잉크 5">
+                  <a:extLst>
+                    <a:ext uri="{FF2B5EF4-FFF2-40B4-BE49-F238E27FC236}">
+                      <a16:creationId xmlns:a16="http://schemas.microsoft.com/office/drawing/2014/main" id="{593E37E5-255A-455C-BE37-58FD4F4FDD4F}"/>
+                    </a:ext>
+                  </a:extLst>
+                </p14:cNvPr>
+                <p14:cNvContentPartPr/>
+                <p14:nvPr/>
+              </p14:nvContentPartPr>
+              <p14:xfrm>
+                <a:off x="6603180" y="3591111"/>
+                <a:ext cx="314640" cy="39240"/>
+              </p14:xfrm>
+            </p:contentPart>
+          </mc:Choice>
+          <mc:Fallback xmlns="">
+            <p:pic>
+              <p:nvPicPr>
+                <p:cNvPr id="6" name="잉크 5">
+                  <a:extLst>
+                    <a:ext uri="{FF2B5EF4-FFF2-40B4-BE49-F238E27FC236}">
+                      <a16:creationId xmlns:a16="http://schemas.microsoft.com/office/drawing/2014/main" id="{593E37E5-255A-455C-BE37-58FD4F4FDD4F}"/>
+                    </a:ext>
+                  </a:extLst>
+                </p:cNvPr>
+                <p:cNvPicPr/>
+                <p:nvPr/>
+              </p:nvPicPr>
+              <p:blipFill>
+                <a:blip r:embed="rId4"/>
+                <a:stretch>
+                  <a:fillRect/>
+                </a:stretch>
+              </p:blipFill>
+              <p:spPr>
+                <a:xfrm>
+                  <a:off x="6594180" y="3582111"/>
+                  <a:ext cx="332280" cy="56880"/>
+                </a:xfrm>
+                <a:prstGeom prst="rect">
+                  <a:avLst/>
+                </a:prstGeom>
+              </p:spPr>
+            </p:pic>
+          </mc:Fallback>
+        </mc:AlternateContent>
+        <mc:AlternateContent xmlns:mc="http://schemas.openxmlformats.org/markup-compatibility/2006" xmlns:p14="http://schemas.microsoft.com/office/powerpoint/2010/main">
+          <mc:Choice Requires="p14">
+            <p:contentPart p14:bwMode="auto" r:id="rId5">
+              <p14:nvContentPartPr>
+                <p14:cNvPr id="9" name="잉크 8">
+                  <a:extLst>
+                    <a:ext uri="{FF2B5EF4-FFF2-40B4-BE49-F238E27FC236}">
+                      <a16:creationId xmlns:a16="http://schemas.microsoft.com/office/drawing/2014/main" id="{4C13AB89-1E19-4CFC-A72C-A732EFCE537E}"/>
+                    </a:ext>
+                  </a:extLst>
+                </p14:cNvPr>
+                <p14:cNvContentPartPr/>
+                <p14:nvPr/>
+              </p14:nvContentPartPr>
+              <p14:xfrm>
+                <a:off x="6836820" y="3492111"/>
+                <a:ext cx="174240" cy="264960"/>
+              </p14:xfrm>
+            </p:contentPart>
+          </mc:Choice>
+          <mc:Fallback xmlns="">
+            <p:pic>
+              <p:nvPicPr>
+                <p:cNvPr id="9" name="잉크 8">
+                  <a:extLst>
+                    <a:ext uri="{FF2B5EF4-FFF2-40B4-BE49-F238E27FC236}">
+                      <a16:creationId xmlns:a16="http://schemas.microsoft.com/office/drawing/2014/main" id="{4C13AB89-1E19-4CFC-A72C-A732EFCE537E}"/>
+                    </a:ext>
+                  </a:extLst>
+                </p:cNvPr>
+                <p:cNvPicPr/>
+                <p:nvPr/>
+              </p:nvPicPr>
+              <p:blipFill>
+                <a:blip r:embed="rId6"/>
+                <a:stretch>
+                  <a:fillRect/>
+                </a:stretch>
+              </p:blipFill>
+              <p:spPr>
+                <a:xfrm>
+                  <a:off x="6827820" y="3483111"/>
+                  <a:ext cx="191880" cy="282600"/>
+                </a:xfrm>
+                <a:prstGeom prst="rect">
+                  <a:avLst/>
+                </a:prstGeom>
+              </p:spPr>
+            </p:pic>
+          </mc:Fallback>
+        </mc:AlternateContent>
+      </p:grpSp>
     </p:spTree>
     <p:extLst>
       <p:ext uri="{BB962C8B-B14F-4D97-AF65-F5344CB8AC3E}">
-        <p14:creationId xmlns:p14="http://schemas.microsoft.com/office/powerpoint/2010/main" val="2303066613"/>
+        <p14:creationId xmlns:p14="http://schemas.microsoft.com/office/powerpoint/2010/main" val="2480475538"/>
       </p:ext>
     </p:extLst>
   </p:cSld>
@@ -16090,7 +17055,7 @@
           <p:cNvPr id="2" name="제목 1">
             <a:extLst>
               <a:ext uri="{FF2B5EF4-FFF2-40B4-BE49-F238E27FC236}">
-                <a16:creationId xmlns:a16="http://schemas.microsoft.com/office/drawing/2014/main" id="{8BCD6006-0ED2-4883-8724-05B76EEDCDB4}"/>
+                <a16:creationId xmlns:a16="http://schemas.microsoft.com/office/drawing/2014/main" id="{28D78D5F-E582-4987-91DF-9C7C5BEBD4EB}"/>
               </a:ext>
             </a:extLst>
           </p:cNvPr>
@@ -16108,36 +17073,8 @@
           <a:p>
             <a:r>
               <a:rPr lang="ko-KR" altLang="en-US" dirty="0"/>
-              <a:t>내가 만든 코드는</a:t>
+              <a:t>개발자가 알아 두면 좋은 네트워크 개념</a:t>
             </a:r>
-            <a:br>
-              <a:rPr lang="en-US" altLang="ko-KR" dirty="0"/>
-            </a:br>
-            <a:r>
-              <a:rPr lang="ko-KR" altLang="en-US" dirty="0"/>
-              <a:t>개발</a:t>
-            </a:r>
-            <a:r>
-              <a:rPr lang="en-US" altLang="ko-KR" dirty="0"/>
-              <a:t>/</a:t>
-            </a:r>
-            <a:r>
-              <a:rPr lang="ko-KR" altLang="en-US" dirty="0"/>
-              <a:t>테스트</a:t>
-            </a:r>
-            <a:r>
-              <a:rPr lang="en-US" altLang="ko-KR" dirty="0"/>
-              <a:t>/</a:t>
-            </a:r>
-            <a:r>
-              <a:rPr lang="ko-KR" altLang="en-US" dirty="0"/>
-              <a:t>운영에서 작동합니다</a:t>
-            </a:r>
-            <a:r>
-              <a:rPr lang="en-US" altLang="ko-KR" dirty="0"/>
-              <a:t>.</a:t>
-            </a:r>
-            <a:endParaRPr lang="ko-KR" altLang="en-US" dirty="0"/>
           </a:p>
         </p:txBody>
       </p:sp>
@@ -16146,7 +17083,7 @@
           <p:cNvPr id="3" name="내용 개체 틀 2">
             <a:extLst>
               <a:ext uri="{FF2B5EF4-FFF2-40B4-BE49-F238E27FC236}">
-                <a16:creationId xmlns:a16="http://schemas.microsoft.com/office/drawing/2014/main" id="{5BCF5A2A-EC75-424E-9772-CCB29DC40D47}"/>
+                <a16:creationId xmlns:a16="http://schemas.microsoft.com/office/drawing/2014/main" id="{DFA47AE3-6532-4E43-9E16-6D279FF62F6D}"/>
               </a:ext>
             </a:extLst>
           </p:cNvPr>
@@ -16163,94 +17100,403 @@
           <a:lstStyle/>
           <a:p>
             <a:r>
-              <a:rPr lang="en-US" altLang="ko-KR" dirty="0" err="1"/>
-              <a:t>InitYaml</a:t>
+              <a:rPr lang="en-US" altLang="ko-KR" dirty="0"/>
+              <a:t>TCP / UDP</a:t>
+            </a:r>
+          </a:p>
+          <a:p>
+            <a:pPr lvl="1"/>
+            <a:r>
+              <a:rPr lang="en-US" altLang="ko-KR" dirty="0"/>
+              <a:t>TCP : </a:t>
+            </a:r>
+            <a:r>
+              <a:rPr lang="ko-KR" altLang="en-US" dirty="0"/>
+              <a:t>연결지향</a:t>
             </a:r>
             <a:r>
               <a:rPr lang="en-US" altLang="ko-KR" dirty="0"/>
-              <a:t> &gt; </a:t>
+              <a:t>, </a:t>
             </a:r>
             <a:r>
-              <a:rPr lang="en-US" altLang="ko-KR" dirty="0" err="1"/>
-              <a:t>MasterControllerMultipart</a:t>
+              <a:rPr lang="ko-KR" altLang="en-US" dirty="0"/>
+              <a:t>프레임</a:t>
             </a:r>
             <a:endParaRPr lang="en-US" altLang="ko-KR" dirty="0"/>
           </a:p>
           <a:p>
+            <a:pPr lvl="1"/>
+            <a:r>
+              <a:rPr lang="en-US" altLang="ko-KR" dirty="0"/>
+              <a:t>UDP : </a:t>
+            </a:r>
+            <a:r>
+              <a:rPr lang="ko-KR" altLang="en-US" dirty="0"/>
+              <a:t>전송지향</a:t>
+            </a:r>
+            <a:r>
+              <a:rPr lang="en-US" altLang="ko-KR" dirty="0"/>
+              <a:t>, </a:t>
+            </a:r>
+            <a:r>
+              <a:rPr lang="ko-KR" altLang="en-US" dirty="0" err="1"/>
+              <a:t>데이터그램</a:t>
+            </a:r>
             <a:endParaRPr lang="en-US" altLang="ko-KR" dirty="0"/>
           </a:p>
           <a:p>
+            <a:r>
+              <a:rPr lang="en-US" altLang="ko-KR" dirty="0"/>
+              <a:t>PORT</a:t>
+            </a:r>
+          </a:p>
+          <a:p>
+            <a:pPr lvl="1"/>
+            <a:r>
+              <a:rPr lang="ko-KR" altLang="en-US" dirty="0"/>
+              <a:t>프로그램</a:t>
+            </a:r>
+            <a:r>
+              <a:rPr lang="en-US" altLang="ko-KR" dirty="0"/>
+              <a:t>(</a:t>
+            </a:r>
+            <a:r>
+              <a:rPr lang="ko-KR" altLang="en-US" dirty="0"/>
+              <a:t>프로세스</a:t>
+            </a:r>
+            <a:r>
+              <a:rPr lang="en-US" altLang="ko-KR" dirty="0"/>
+              <a:t>)</a:t>
+            </a:r>
+            <a:r>
+              <a:rPr lang="ko-KR" altLang="en-US" dirty="0"/>
+              <a:t>를 구분</a:t>
+            </a:r>
             <a:endParaRPr lang="en-US" altLang="ko-KR" dirty="0"/>
           </a:p>
+        </p:txBody>
+      </p:sp>
+      <p:sp>
+        <p:nvSpPr>
+          <p:cNvPr id="24" name="직사각형 23">
+            <a:extLst>
+              <a:ext uri="{FF2B5EF4-FFF2-40B4-BE49-F238E27FC236}">
+                <a16:creationId xmlns:a16="http://schemas.microsoft.com/office/drawing/2014/main" id="{7307316F-A5AE-4A8C-9E78-8077978BDDD7}"/>
+              </a:ext>
+            </a:extLst>
+          </p:cNvPr>
+          <p:cNvSpPr/>
+          <p:nvPr/>
+        </p:nvSpPr>
+        <p:spPr>
+          <a:xfrm>
+            <a:off x="2121060" y="4429860"/>
+            <a:ext cx="1139352" cy="497374"/>
+          </a:xfrm>
+          <a:prstGeom prst="rect">
+            <a:avLst/>
+          </a:prstGeom>
+        </p:spPr>
+        <p:style>
+          <a:lnRef idx="1">
+            <a:schemeClr val="accent3"/>
+          </a:lnRef>
+          <a:fillRef idx="2">
+            <a:schemeClr val="accent3"/>
+          </a:fillRef>
+          <a:effectRef idx="1">
+            <a:schemeClr val="accent3"/>
+          </a:effectRef>
+          <a:fontRef idx="minor">
+            <a:schemeClr val="dk1"/>
+          </a:fontRef>
+        </p:style>
+        <p:txBody>
+          <a:bodyPr rtlCol="0" anchor="ctr"/>
+          <a:lstStyle/>
           <a:p>
+            <a:pPr algn="ctr"/>
+            <a:r>
+              <a:rPr lang="ko-KR" altLang="en-US" dirty="0"/>
+              <a:t>송신자</a:t>
+            </a:r>
+            <a:endParaRPr lang="en-US" altLang="ko-KR" dirty="0"/>
+          </a:p>
+        </p:txBody>
+      </p:sp>
+      <p:sp>
+        <p:nvSpPr>
+          <p:cNvPr id="25" name="직사각형 24">
+            <a:extLst>
+              <a:ext uri="{FF2B5EF4-FFF2-40B4-BE49-F238E27FC236}">
+                <a16:creationId xmlns:a16="http://schemas.microsoft.com/office/drawing/2014/main" id="{B2036BCA-013E-4FBF-9E3D-9A23573DCB65}"/>
+              </a:ext>
+            </a:extLst>
+          </p:cNvPr>
+          <p:cNvSpPr/>
+          <p:nvPr/>
+        </p:nvSpPr>
+        <p:spPr>
+          <a:xfrm>
+            <a:off x="5562857" y="4429860"/>
+            <a:ext cx="1026234" cy="497374"/>
+          </a:xfrm>
+          <a:prstGeom prst="rect">
+            <a:avLst/>
+          </a:prstGeom>
+        </p:spPr>
+        <p:style>
+          <a:lnRef idx="1">
+            <a:schemeClr val="accent3"/>
+          </a:lnRef>
+          <a:fillRef idx="2">
+            <a:schemeClr val="accent3"/>
+          </a:fillRef>
+          <a:effectRef idx="1">
+            <a:schemeClr val="accent3"/>
+          </a:effectRef>
+          <a:fontRef idx="minor">
+            <a:schemeClr val="dk1"/>
+          </a:fontRef>
+        </p:style>
+        <p:txBody>
+          <a:bodyPr rtlCol="0" anchor="ctr"/>
+          <a:lstStyle/>
+          <a:p>
+            <a:pPr algn="ctr"/>
+            <a:r>
+              <a:rPr lang="ko-KR" altLang="en-US" dirty="0"/>
+              <a:t>수신자</a:t>
+            </a:r>
+          </a:p>
+        </p:txBody>
+      </p:sp>
+      <p:cxnSp>
+        <p:nvCxnSpPr>
+          <p:cNvPr id="26" name="직선 연결선 25">
+            <a:extLst>
+              <a:ext uri="{FF2B5EF4-FFF2-40B4-BE49-F238E27FC236}">
+                <a16:creationId xmlns:a16="http://schemas.microsoft.com/office/drawing/2014/main" id="{9A332B51-3407-4991-A568-3F347D0F35FD}"/>
+              </a:ext>
+            </a:extLst>
+          </p:cNvPr>
+          <p:cNvCxnSpPr>
+            <a:cxnSpLocks/>
+            <a:stCxn id="24" idx="3"/>
+            <a:endCxn id="25" idx="1"/>
+          </p:cNvCxnSpPr>
+          <p:nvPr/>
+        </p:nvCxnSpPr>
+        <p:spPr>
+          <a:xfrm>
+            <a:off x="3260412" y="4678547"/>
+            <a:ext cx="2302445" cy="0"/>
+          </a:xfrm>
+          <a:prstGeom prst="line">
+            <a:avLst/>
+          </a:prstGeom>
+        </p:spPr>
+        <p:style>
+          <a:lnRef idx="3">
+            <a:schemeClr val="dk1"/>
+          </a:lnRef>
+          <a:fillRef idx="0">
+            <a:schemeClr val="dk1"/>
+          </a:fillRef>
+          <a:effectRef idx="2">
+            <a:schemeClr val="dk1"/>
+          </a:effectRef>
+          <a:fontRef idx="minor">
+            <a:schemeClr val="tx1"/>
+          </a:fontRef>
+        </p:style>
+      </p:cxnSp>
+      <p:sp>
+        <p:nvSpPr>
+          <p:cNvPr id="27" name="TextBox 26">
+            <a:extLst>
+              <a:ext uri="{FF2B5EF4-FFF2-40B4-BE49-F238E27FC236}">
+                <a16:creationId xmlns:a16="http://schemas.microsoft.com/office/drawing/2014/main" id="{8FFBCECA-0F00-446A-953F-430CC5998390}"/>
+              </a:ext>
+            </a:extLst>
+          </p:cNvPr>
+          <p:cNvSpPr txBox="1"/>
+          <p:nvPr/>
+        </p:nvSpPr>
+        <p:spPr>
+          <a:xfrm>
+            <a:off x="3973052" y="4240964"/>
+            <a:ext cx="877163" cy="369332"/>
+          </a:xfrm>
+          <a:prstGeom prst="rect">
+            <a:avLst/>
+          </a:prstGeom>
+          <a:noFill/>
+        </p:spPr>
+        <p:txBody>
+          <a:bodyPr wrap="none" rtlCol="0">
+            <a:spAutoFit/>
+          </a:bodyPr>
+          <a:lstStyle/>
+          <a:p>
+            <a:r>
+              <a:rPr lang="ko-KR" altLang="en-US" dirty="0"/>
+              <a:t>인터넷</a:t>
+            </a:r>
+          </a:p>
+        </p:txBody>
+      </p:sp>
+      <p:sp>
+        <p:nvSpPr>
+          <p:cNvPr id="28" name="TextBox 27">
+            <a:extLst>
+              <a:ext uri="{FF2B5EF4-FFF2-40B4-BE49-F238E27FC236}">
+                <a16:creationId xmlns:a16="http://schemas.microsoft.com/office/drawing/2014/main" id="{83375635-060F-464B-AA1B-DC0C9F3CD995}"/>
+              </a:ext>
+            </a:extLst>
+          </p:cNvPr>
+          <p:cNvSpPr txBox="1"/>
+          <p:nvPr/>
+        </p:nvSpPr>
+        <p:spPr>
+          <a:xfrm>
+            <a:off x="4850215" y="5075886"/>
+            <a:ext cx="2219518" cy="923330"/>
+          </a:xfrm>
+          <a:prstGeom prst="rect">
+            <a:avLst/>
+          </a:prstGeom>
+          <a:noFill/>
+        </p:spPr>
+        <p:txBody>
+          <a:bodyPr wrap="none" rtlCol="0">
+            <a:spAutoFit/>
+          </a:bodyPr>
+          <a:lstStyle/>
+          <a:p>
+            <a:r>
+              <a:rPr lang="en-US" altLang="ko-KR" dirty="0"/>
+              <a:t>80 : WEB / TCP</a:t>
+            </a:r>
+          </a:p>
+          <a:p>
+            <a:r>
+              <a:rPr lang="en-US" altLang="ko-KR" dirty="0"/>
+              <a:t>1833 : MQTT / UDP</a:t>
+            </a:r>
+          </a:p>
+          <a:p>
+            <a:r>
+              <a:rPr lang="en-US" altLang="ko-KR" dirty="0"/>
+              <a:t>23 : TELNET / TCP</a:t>
+            </a:r>
+            <a:endParaRPr lang="ko-KR" altLang="en-US" dirty="0"/>
+          </a:p>
+        </p:txBody>
+      </p:sp>
+      <p:sp>
+        <p:nvSpPr>
+          <p:cNvPr id="11" name="TextBox 10">
+            <a:extLst>
+              <a:ext uri="{FF2B5EF4-FFF2-40B4-BE49-F238E27FC236}">
+                <a16:creationId xmlns:a16="http://schemas.microsoft.com/office/drawing/2014/main" id="{CB9269A6-1BB2-4554-9B03-657EB0466D45}"/>
+              </a:ext>
+            </a:extLst>
+          </p:cNvPr>
+          <p:cNvSpPr txBox="1"/>
+          <p:nvPr/>
+        </p:nvSpPr>
+        <p:spPr>
+          <a:xfrm>
+            <a:off x="2592682" y="5075886"/>
+            <a:ext cx="1762021" cy="923330"/>
+          </a:xfrm>
+          <a:prstGeom prst="rect">
+            <a:avLst/>
+          </a:prstGeom>
+          <a:noFill/>
+        </p:spPr>
+        <p:txBody>
+          <a:bodyPr wrap="none" rtlCol="0">
+            <a:spAutoFit/>
+          </a:bodyPr>
+          <a:lstStyle/>
+          <a:p>
+            <a:r>
+              <a:rPr lang="en-US" altLang="ko-KR" dirty="0"/>
+              <a:t>http://a.com</a:t>
+            </a:r>
+          </a:p>
+          <a:p>
+            <a:r>
+              <a:rPr lang="en-US" altLang="ko-KR" dirty="0" err="1"/>
+              <a:t>mqtt</a:t>
+            </a:r>
+            <a:r>
+              <a:rPr lang="en-US" altLang="ko-KR" dirty="0"/>
+              <a:t> /a/name </a:t>
+            </a:r>
+          </a:p>
+          <a:p>
+            <a:r>
+              <a:rPr lang="en-US" altLang="ko-KR" dirty="0"/>
+              <a:t>telnet a.com 23</a:t>
+            </a:r>
             <a:endParaRPr lang="ko-KR" altLang="en-US" dirty="0"/>
           </a:p>
         </p:txBody>
       </p:sp>
       <p:pic>
         <p:nvPicPr>
-          <p:cNvPr id="5" name="그림 4">
+          <p:cNvPr id="14" name="Picture 2">
             <a:extLst>
               <a:ext uri="{FF2B5EF4-FFF2-40B4-BE49-F238E27FC236}">
-                <a16:creationId xmlns:a16="http://schemas.microsoft.com/office/drawing/2014/main" id="{B32147A0-83FB-4704-B58A-0BBED68D721B}"/>
+                <a16:creationId xmlns:a16="http://schemas.microsoft.com/office/drawing/2014/main" id="{FFA54AFF-5E05-4AC0-B5C8-B68914AD5BF9}"/>
               </a:ext>
             </a:extLst>
           </p:cNvPr>
           <p:cNvPicPr>
-            <a:picLocks noChangeAspect="1"/>
+            <a:picLocks noChangeAspect="1" noChangeArrowheads="1"/>
           </p:cNvPicPr>
           <p:nvPr/>
         </p:nvPicPr>
         <p:blipFill>
-          <a:blip r:embed="rId2"/>
+          <a:blip r:embed="rId2">
+            <a:extLst>
+              <a:ext uri="{28A0092B-C50C-407E-A947-70E740481C1C}">
+                <a14:useLocalDpi xmlns:a14="http://schemas.microsoft.com/office/drawing/2010/main" val="0"/>
+              </a:ext>
+            </a:extLst>
+          </a:blip>
+          <a:srcRect/>
           <a:stretch>
             <a:fillRect/>
           </a:stretch>
         </p:blipFill>
-        <p:spPr>
+        <p:spPr bwMode="auto">
           <a:xfrm>
-            <a:off x="1429218" y="3083928"/>
-            <a:ext cx="3044541" cy="1401758"/>
+            <a:off x="8538785" y="1484737"/>
+            <a:ext cx="3280943" cy="1944263"/>
           </a:xfrm>
           <a:prstGeom prst="rect">
             <a:avLst/>
           </a:prstGeom>
-        </p:spPr>
-      </p:pic>
-      <p:pic>
-        <p:nvPicPr>
-          <p:cNvPr id="7" name="그림 6">
-            <a:extLst>
-              <a:ext uri="{FF2B5EF4-FFF2-40B4-BE49-F238E27FC236}">
-                <a16:creationId xmlns:a16="http://schemas.microsoft.com/office/drawing/2014/main" id="{7CF7F730-67AB-42EA-A007-523A830ED581}"/>
-              </a:ext>
-            </a:extLst>
-          </p:cNvPr>
-          <p:cNvPicPr>
-            <a:picLocks noChangeAspect="1"/>
-          </p:cNvPicPr>
-          <p:nvPr/>
-        </p:nvPicPr>
-        <p:blipFill>
-          <a:blip r:embed="rId3"/>
-          <a:stretch>
-            <a:fillRect/>
-          </a:stretch>
-        </p:blipFill>
-        <p:spPr>
-          <a:xfrm>
-            <a:off x="5184119" y="2727399"/>
-            <a:ext cx="6134423" cy="1980908"/>
-          </a:xfrm>
-          <a:prstGeom prst="rect">
-            <a:avLst/>
-          </a:prstGeom>
+          <a:noFill/>
+          <a:extLst>
+            <a:ext uri="{909E8E84-426E-40DD-AFC4-6F175D3DCCD1}">
+              <a14:hiddenFill xmlns:a14="http://schemas.microsoft.com/office/drawing/2010/main">
+                <a:solidFill>
+                  <a:srgbClr val="FFFFFF"/>
+                </a:solidFill>
+              </a14:hiddenFill>
+            </a:ext>
+          </a:extLst>
         </p:spPr>
       </p:pic>
     </p:spTree>
     <p:extLst>
       <p:ext uri="{BB962C8B-B14F-4D97-AF65-F5344CB8AC3E}">
-        <p14:creationId xmlns:p14="http://schemas.microsoft.com/office/powerpoint/2010/main" val="4056990013"/>
+        <p14:creationId xmlns:p14="http://schemas.microsoft.com/office/powerpoint/2010/main" val="4163272331"/>
       </p:ext>
     </p:extLst>
   </p:cSld>
@@ -16294,7 +17540,7 @@
           <p:cNvPr id="2" name="제목 1">
             <a:extLst>
               <a:ext uri="{FF2B5EF4-FFF2-40B4-BE49-F238E27FC236}">
-                <a16:creationId xmlns:a16="http://schemas.microsoft.com/office/drawing/2014/main" id="{E771E725-837A-4375-BCD0-8688D289A882}"/>
+                <a16:creationId xmlns:a16="http://schemas.microsoft.com/office/drawing/2014/main" id="{28D78D5F-E582-4987-91DF-9C7C5BEBD4EB}"/>
               </a:ext>
             </a:extLst>
           </p:cNvPr>
@@ -16312,36 +17558,8 @@
           <a:p>
             <a:r>
               <a:rPr lang="ko-KR" altLang="en-US" dirty="0"/>
-              <a:t>내가 만든 코드는</a:t>
+              <a:t>개발자가 알아 두면 좋은 네트워크 개념</a:t>
             </a:r>
-            <a:br>
-              <a:rPr lang="en-US" altLang="ko-KR" dirty="0"/>
-            </a:br>
-            <a:r>
-              <a:rPr lang="ko-KR" altLang="en-US" dirty="0"/>
-              <a:t>개발</a:t>
-            </a:r>
-            <a:r>
-              <a:rPr lang="en-US" altLang="ko-KR" dirty="0"/>
-              <a:t>/</a:t>
-            </a:r>
-            <a:r>
-              <a:rPr lang="ko-KR" altLang="en-US" dirty="0"/>
-              <a:t>테스트</a:t>
-            </a:r>
-            <a:r>
-              <a:rPr lang="en-US" altLang="ko-KR" dirty="0"/>
-              <a:t>/</a:t>
-            </a:r>
-            <a:r>
-              <a:rPr lang="ko-KR" altLang="en-US" dirty="0"/>
-              <a:t>운영에서 작동합니다</a:t>
-            </a:r>
-            <a:r>
-              <a:rPr lang="en-US" altLang="ko-KR" dirty="0"/>
-              <a:t>.</a:t>
-            </a:r>
-            <a:endParaRPr lang="ko-KR" altLang="en-US" dirty="0"/>
           </a:p>
         </p:txBody>
       </p:sp>
@@ -16350,7 +17568,7 @@
           <p:cNvPr id="3" name="내용 개체 틀 2">
             <a:extLst>
               <a:ext uri="{FF2B5EF4-FFF2-40B4-BE49-F238E27FC236}">
-                <a16:creationId xmlns:a16="http://schemas.microsoft.com/office/drawing/2014/main" id="{3924FAA9-0903-4D0F-A299-974AF8AF3D96}"/>
+                <a16:creationId xmlns:a16="http://schemas.microsoft.com/office/drawing/2014/main" id="{DFA47AE3-6532-4E43-9E16-6D279FF62F6D}"/>
               </a:ext>
             </a:extLst>
           </p:cNvPr>
@@ -16367,57 +17585,707 @@
           <a:lstStyle/>
           <a:p>
             <a:r>
-              <a:rPr lang="en-US" altLang="ko-KR" dirty="0"/>
-              <a:t>WAS</a:t>
+              <a:rPr lang="ko-KR" altLang="en-US" dirty="0"/>
+              <a:t>일반적 서버 구성</a:t>
             </a:r>
-            <a:r>
-              <a:rPr lang="ko-KR" altLang="en-US" dirty="0"/>
-              <a:t> 식별할 정보가 필요</a:t>
-            </a:r>
-            <a:endParaRPr lang="en-US" altLang="ko-KR" dirty="0"/>
-          </a:p>
-          <a:p>
-            <a:endParaRPr lang="en-US" altLang="ko-KR" dirty="0"/>
-          </a:p>
-          <a:p>
-            <a:endParaRPr lang="ko-KR" altLang="en-US" dirty="0"/>
           </a:p>
         </p:txBody>
       </p:sp>
-      <p:pic>
-        <p:nvPicPr>
-          <p:cNvPr id="5" name="그림 4">
+      <p:sp>
+        <p:nvSpPr>
+          <p:cNvPr id="24" name="직사각형 23">
             <a:extLst>
               <a:ext uri="{FF2B5EF4-FFF2-40B4-BE49-F238E27FC236}">
-                <a16:creationId xmlns:a16="http://schemas.microsoft.com/office/drawing/2014/main" id="{F6CFB4E7-E88A-42CA-812C-D3D8AD1C753A}"/>
+                <a16:creationId xmlns:a16="http://schemas.microsoft.com/office/drawing/2014/main" id="{7307316F-A5AE-4A8C-9E78-8077978BDDD7}"/>
               </a:ext>
             </a:extLst>
           </p:cNvPr>
-          <p:cNvPicPr>
-            <a:picLocks noChangeAspect="1"/>
-          </p:cNvPicPr>
+          <p:cNvSpPr/>
           <p:nvPr/>
-        </p:nvPicPr>
-        <p:blipFill>
-          <a:blip r:embed="rId2"/>
-          <a:stretch>
-            <a:fillRect/>
-          </a:stretch>
-        </p:blipFill>
+        </p:nvSpPr>
         <p:spPr>
           <a:xfrm>
-            <a:off x="1440220" y="2600209"/>
-            <a:ext cx="6982799" cy="828791"/>
+            <a:off x="1384568" y="2931626"/>
+            <a:ext cx="1139352" cy="497374"/>
           </a:xfrm>
           <a:prstGeom prst="rect">
             <a:avLst/>
           </a:prstGeom>
         </p:spPr>
+        <p:style>
+          <a:lnRef idx="1">
+            <a:schemeClr val="accent3"/>
+          </a:lnRef>
+          <a:fillRef idx="2">
+            <a:schemeClr val="accent3"/>
+          </a:fillRef>
+          <a:effectRef idx="1">
+            <a:schemeClr val="accent3"/>
+          </a:effectRef>
+          <a:fontRef idx="minor">
+            <a:schemeClr val="dk1"/>
+          </a:fontRef>
+        </p:style>
+        <p:txBody>
+          <a:bodyPr rtlCol="0" anchor="ctr"/>
+          <a:lstStyle/>
+          <a:p>
+            <a:pPr algn="ctr"/>
+            <a:r>
+              <a:rPr lang="ko-KR" altLang="en-US" dirty="0"/>
+              <a:t>브라우저</a:t>
+            </a:r>
+            <a:endParaRPr lang="en-US" altLang="ko-KR" dirty="0"/>
+          </a:p>
+        </p:txBody>
+      </p:sp>
+      <p:sp>
+        <p:nvSpPr>
+          <p:cNvPr id="25" name="직사각형 24">
+            <a:extLst>
+              <a:ext uri="{FF2B5EF4-FFF2-40B4-BE49-F238E27FC236}">
+                <a16:creationId xmlns:a16="http://schemas.microsoft.com/office/drawing/2014/main" id="{B2036BCA-013E-4FBF-9E3D-9A23573DCB65}"/>
+              </a:ext>
+            </a:extLst>
+          </p:cNvPr>
+          <p:cNvSpPr/>
+          <p:nvPr/>
+        </p:nvSpPr>
+        <p:spPr>
+          <a:xfrm>
+            <a:off x="3966766" y="2931626"/>
+            <a:ext cx="1026234" cy="497374"/>
+          </a:xfrm>
+          <a:prstGeom prst="rect">
+            <a:avLst/>
+          </a:prstGeom>
+        </p:spPr>
+        <p:style>
+          <a:lnRef idx="1">
+            <a:schemeClr val="accent3"/>
+          </a:lnRef>
+          <a:fillRef idx="2">
+            <a:schemeClr val="accent3"/>
+          </a:fillRef>
+          <a:effectRef idx="1">
+            <a:schemeClr val="accent3"/>
+          </a:effectRef>
+          <a:fontRef idx="minor">
+            <a:schemeClr val="dk1"/>
+          </a:fontRef>
+        </p:style>
+        <p:txBody>
+          <a:bodyPr rtlCol="0" anchor="ctr"/>
+          <a:lstStyle/>
+          <a:p>
+            <a:pPr algn="ctr"/>
+            <a:r>
+              <a:rPr lang="en-US" altLang="ko-KR" dirty="0"/>
+              <a:t>WEB</a:t>
+            </a:r>
+            <a:endParaRPr lang="ko-KR" altLang="en-US" dirty="0"/>
+          </a:p>
+        </p:txBody>
+      </p:sp>
+      <p:cxnSp>
+        <p:nvCxnSpPr>
+          <p:cNvPr id="26" name="직선 연결선 25">
+            <a:extLst>
+              <a:ext uri="{FF2B5EF4-FFF2-40B4-BE49-F238E27FC236}">
+                <a16:creationId xmlns:a16="http://schemas.microsoft.com/office/drawing/2014/main" id="{9A332B51-3407-4991-A568-3F347D0F35FD}"/>
+              </a:ext>
+            </a:extLst>
+          </p:cNvPr>
+          <p:cNvCxnSpPr>
+            <a:cxnSpLocks/>
+            <a:stCxn id="24" idx="3"/>
+            <a:endCxn id="25" idx="1"/>
+          </p:cNvCxnSpPr>
+          <p:nvPr/>
+        </p:nvCxnSpPr>
+        <p:spPr>
+          <a:xfrm>
+            <a:off x="2523920" y="3180313"/>
+            <a:ext cx="1442846" cy="0"/>
+          </a:xfrm>
+          <a:prstGeom prst="line">
+            <a:avLst/>
+          </a:prstGeom>
+        </p:spPr>
+        <p:style>
+          <a:lnRef idx="3">
+            <a:schemeClr val="dk1"/>
+          </a:lnRef>
+          <a:fillRef idx="0">
+            <a:schemeClr val="dk1"/>
+          </a:fillRef>
+          <a:effectRef idx="2">
+            <a:schemeClr val="dk1"/>
+          </a:effectRef>
+          <a:fontRef idx="minor">
+            <a:schemeClr val="tx1"/>
+          </a:fontRef>
+        </p:style>
+      </p:cxnSp>
+      <p:sp>
+        <p:nvSpPr>
+          <p:cNvPr id="27" name="TextBox 26">
+            <a:extLst>
+              <a:ext uri="{FF2B5EF4-FFF2-40B4-BE49-F238E27FC236}">
+                <a16:creationId xmlns:a16="http://schemas.microsoft.com/office/drawing/2014/main" id="{8FFBCECA-0F00-446A-953F-430CC5998390}"/>
+              </a:ext>
+            </a:extLst>
+          </p:cNvPr>
+          <p:cNvSpPr txBox="1"/>
+          <p:nvPr/>
+        </p:nvSpPr>
+        <p:spPr>
+          <a:xfrm>
+            <a:off x="2837462" y="2810981"/>
+            <a:ext cx="877163" cy="369332"/>
+          </a:xfrm>
+          <a:prstGeom prst="rect">
+            <a:avLst/>
+          </a:prstGeom>
+          <a:noFill/>
+        </p:spPr>
+        <p:txBody>
+          <a:bodyPr wrap="none" rtlCol="0">
+            <a:spAutoFit/>
+          </a:bodyPr>
+          <a:lstStyle/>
+          <a:p>
+            <a:r>
+              <a:rPr lang="ko-KR" altLang="en-US" dirty="0"/>
+              <a:t>인터넷</a:t>
+            </a:r>
+          </a:p>
+        </p:txBody>
+      </p:sp>
+      <p:sp>
+        <p:nvSpPr>
+          <p:cNvPr id="28" name="TextBox 27">
+            <a:extLst>
+              <a:ext uri="{FF2B5EF4-FFF2-40B4-BE49-F238E27FC236}">
+                <a16:creationId xmlns:a16="http://schemas.microsoft.com/office/drawing/2014/main" id="{83375635-060F-464B-AA1B-DC0C9F3CD995}"/>
+              </a:ext>
+            </a:extLst>
+          </p:cNvPr>
+          <p:cNvSpPr txBox="1"/>
+          <p:nvPr/>
+        </p:nvSpPr>
+        <p:spPr>
+          <a:xfrm>
+            <a:off x="3966766" y="3579297"/>
+            <a:ext cx="1941557" cy="369332"/>
+          </a:xfrm>
+          <a:prstGeom prst="rect">
+            <a:avLst/>
+          </a:prstGeom>
+          <a:noFill/>
+        </p:spPr>
+        <p:txBody>
+          <a:bodyPr wrap="none" rtlCol="0">
+            <a:spAutoFit/>
+          </a:bodyPr>
+          <a:lstStyle/>
+          <a:p>
+            <a:r>
+              <a:rPr lang="en-US" altLang="ko-KR" dirty="0"/>
+              <a:t>443 : WEB(https)</a:t>
+            </a:r>
+            <a:endParaRPr lang="ko-KR" altLang="en-US" dirty="0"/>
+          </a:p>
+        </p:txBody>
+      </p:sp>
+      <p:sp>
+        <p:nvSpPr>
+          <p:cNvPr id="9" name="직사각형 8">
+            <a:extLst>
+              <a:ext uri="{FF2B5EF4-FFF2-40B4-BE49-F238E27FC236}">
+                <a16:creationId xmlns:a16="http://schemas.microsoft.com/office/drawing/2014/main" id="{21125A84-E343-49FF-B2AD-889CCB0AF864}"/>
+              </a:ext>
+            </a:extLst>
+          </p:cNvPr>
+          <p:cNvSpPr/>
+          <p:nvPr/>
+        </p:nvSpPr>
+        <p:spPr>
+          <a:xfrm>
+            <a:off x="6435846" y="2931626"/>
+            <a:ext cx="1026234" cy="497374"/>
+          </a:xfrm>
+          <a:prstGeom prst="rect">
+            <a:avLst/>
+          </a:prstGeom>
+        </p:spPr>
+        <p:style>
+          <a:lnRef idx="1">
+            <a:schemeClr val="accent3"/>
+          </a:lnRef>
+          <a:fillRef idx="2">
+            <a:schemeClr val="accent3"/>
+          </a:fillRef>
+          <a:effectRef idx="1">
+            <a:schemeClr val="accent3"/>
+          </a:effectRef>
+          <a:fontRef idx="minor">
+            <a:schemeClr val="dk1"/>
+          </a:fontRef>
+        </p:style>
+        <p:txBody>
+          <a:bodyPr rtlCol="0" anchor="ctr"/>
+          <a:lstStyle/>
+          <a:p>
+            <a:pPr algn="ctr"/>
+            <a:r>
+              <a:rPr lang="en-US" altLang="ko-KR" dirty="0"/>
+              <a:t>WAS</a:t>
+            </a:r>
+            <a:endParaRPr lang="ko-KR" altLang="en-US" dirty="0"/>
+          </a:p>
+        </p:txBody>
+      </p:sp>
+      <p:cxnSp>
+        <p:nvCxnSpPr>
+          <p:cNvPr id="12" name="직선 연결선 11">
+            <a:extLst>
+              <a:ext uri="{FF2B5EF4-FFF2-40B4-BE49-F238E27FC236}">
+                <a16:creationId xmlns:a16="http://schemas.microsoft.com/office/drawing/2014/main" id="{05F482C8-5245-4735-9B8A-3549052121DB}"/>
+              </a:ext>
+            </a:extLst>
+          </p:cNvPr>
+          <p:cNvCxnSpPr>
+            <a:cxnSpLocks/>
+          </p:cNvCxnSpPr>
+          <p:nvPr/>
+        </p:nvCxnSpPr>
+        <p:spPr>
+          <a:xfrm>
+            <a:off x="4993000" y="3180313"/>
+            <a:ext cx="1442846" cy="0"/>
+          </a:xfrm>
+          <a:prstGeom prst="line">
+            <a:avLst/>
+          </a:prstGeom>
+        </p:spPr>
+        <p:style>
+          <a:lnRef idx="3">
+            <a:schemeClr val="dk1"/>
+          </a:lnRef>
+          <a:fillRef idx="0">
+            <a:schemeClr val="dk1"/>
+          </a:fillRef>
+          <a:effectRef idx="2">
+            <a:schemeClr val="dk1"/>
+          </a:effectRef>
+          <a:fontRef idx="minor">
+            <a:schemeClr val="tx1"/>
+          </a:fontRef>
+        </p:style>
+      </p:cxnSp>
+      <p:sp>
+        <p:nvSpPr>
+          <p:cNvPr id="13" name="TextBox 12">
+            <a:extLst>
+              <a:ext uri="{FF2B5EF4-FFF2-40B4-BE49-F238E27FC236}">
+                <a16:creationId xmlns:a16="http://schemas.microsoft.com/office/drawing/2014/main" id="{17305224-18C1-40B4-BDDA-FA0DC5EDFDE4}"/>
+              </a:ext>
+            </a:extLst>
+          </p:cNvPr>
+          <p:cNvSpPr txBox="1"/>
+          <p:nvPr/>
+        </p:nvSpPr>
+        <p:spPr>
+          <a:xfrm>
+            <a:off x="6711062" y="3579297"/>
+            <a:ext cx="2433102" cy="369332"/>
+          </a:xfrm>
+          <a:prstGeom prst="rect">
+            <a:avLst/>
+          </a:prstGeom>
+          <a:noFill/>
+        </p:spPr>
+        <p:txBody>
+          <a:bodyPr wrap="none" rtlCol="0">
+            <a:spAutoFit/>
+          </a:bodyPr>
+          <a:lstStyle/>
+          <a:p>
+            <a:r>
+              <a:rPr lang="en-US" altLang="ko-KR" dirty="0"/>
+              <a:t>18080 : WAS(TCP/IP)</a:t>
+            </a:r>
+            <a:endParaRPr lang="ko-KR" altLang="en-US" dirty="0"/>
+          </a:p>
+        </p:txBody>
+      </p:sp>
+      <p:sp>
+        <p:nvSpPr>
+          <p:cNvPr id="14" name="직사각형 13">
+            <a:extLst>
+              <a:ext uri="{FF2B5EF4-FFF2-40B4-BE49-F238E27FC236}">
+                <a16:creationId xmlns:a16="http://schemas.microsoft.com/office/drawing/2014/main" id="{332C5718-DD11-4DA7-A957-AE5C2C9D6CED}"/>
+              </a:ext>
+            </a:extLst>
+          </p:cNvPr>
+          <p:cNvSpPr/>
+          <p:nvPr/>
+        </p:nvSpPr>
+        <p:spPr>
+          <a:xfrm>
+            <a:off x="3458279" y="4138451"/>
+            <a:ext cx="1941557" cy="462133"/>
+          </a:xfrm>
+          <a:prstGeom prst="rect">
+            <a:avLst/>
+          </a:prstGeom>
+        </p:spPr>
+        <p:style>
+          <a:lnRef idx="0">
+            <a:schemeClr val="accent1"/>
+          </a:lnRef>
+          <a:fillRef idx="3">
+            <a:schemeClr val="accent1"/>
+          </a:fillRef>
+          <a:effectRef idx="3">
+            <a:schemeClr val="accent1"/>
+          </a:effectRef>
+          <a:fontRef idx="minor">
+            <a:schemeClr val="lt1"/>
+          </a:fontRef>
+        </p:style>
+        <p:txBody>
+          <a:bodyPr rtlCol="0" anchor="ctr"/>
+          <a:lstStyle/>
+          <a:p>
+            <a:pPr algn="ctr"/>
+            <a:r>
+              <a:rPr lang="en-US" altLang="ko-KR" dirty="0"/>
+              <a:t>DMZ</a:t>
+            </a:r>
+            <a:endParaRPr lang="ko-KR" altLang="en-US" dirty="0"/>
+          </a:p>
+        </p:txBody>
+      </p:sp>
+      <p:sp>
+        <p:nvSpPr>
+          <p:cNvPr id="15" name="직사각형 14">
+            <a:extLst>
+              <a:ext uri="{FF2B5EF4-FFF2-40B4-BE49-F238E27FC236}">
+                <a16:creationId xmlns:a16="http://schemas.microsoft.com/office/drawing/2014/main" id="{8CD0E332-7534-4087-87BB-C764DAFB1265}"/>
+              </a:ext>
+            </a:extLst>
+          </p:cNvPr>
+          <p:cNvSpPr/>
+          <p:nvPr/>
+        </p:nvSpPr>
+        <p:spPr>
+          <a:xfrm>
+            <a:off x="5978184" y="4119219"/>
+            <a:ext cx="1941557" cy="462133"/>
+          </a:xfrm>
+          <a:prstGeom prst="rect">
+            <a:avLst/>
+          </a:prstGeom>
+        </p:spPr>
+        <p:style>
+          <a:lnRef idx="0">
+            <a:schemeClr val="accent1"/>
+          </a:lnRef>
+          <a:fillRef idx="3">
+            <a:schemeClr val="accent1"/>
+          </a:fillRef>
+          <a:effectRef idx="3">
+            <a:schemeClr val="accent1"/>
+          </a:effectRef>
+          <a:fontRef idx="minor">
+            <a:schemeClr val="lt1"/>
+          </a:fontRef>
+        </p:style>
+        <p:txBody>
+          <a:bodyPr rtlCol="0" anchor="ctr"/>
+          <a:lstStyle/>
+          <a:p>
+            <a:pPr algn="ctr"/>
+            <a:r>
+              <a:rPr lang="ko-KR" altLang="en-US" dirty="0" err="1"/>
+              <a:t>내부망</a:t>
+            </a:r>
+            <a:endParaRPr lang="ko-KR" altLang="en-US" dirty="0"/>
+          </a:p>
+        </p:txBody>
+      </p:sp>
+      <p:sp>
+        <p:nvSpPr>
+          <p:cNvPr id="16" name="직사각형 15">
+            <a:extLst>
+              <a:ext uri="{FF2B5EF4-FFF2-40B4-BE49-F238E27FC236}">
+                <a16:creationId xmlns:a16="http://schemas.microsoft.com/office/drawing/2014/main" id="{17DA843E-4A3C-4691-88EB-76052E00FEA7}"/>
+              </a:ext>
+            </a:extLst>
+          </p:cNvPr>
+          <p:cNvSpPr/>
+          <p:nvPr/>
+        </p:nvSpPr>
+        <p:spPr>
+          <a:xfrm>
+            <a:off x="7138629" y="1959040"/>
+            <a:ext cx="1026234" cy="497374"/>
+          </a:xfrm>
+          <a:prstGeom prst="rect">
+            <a:avLst/>
+          </a:prstGeom>
+        </p:spPr>
+        <p:style>
+          <a:lnRef idx="1">
+            <a:schemeClr val="accent3"/>
+          </a:lnRef>
+          <a:fillRef idx="2">
+            <a:schemeClr val="accent3"/>
+          </a:fillRef>
+          <a:effectRef idx="1">
+            <a:schemeClr val="accent3"/>
+          </a:effectRef>
+          <a:fontRef idx="minor">
+            <a:schemeClr val="dk1"/>
+          </a:fontRef>
+        </p:style>
+        <p:txBody>
+          <a:bodyPr rtlCol="0" anchor="ctr"/>
+          <a:lstStyle/>
+          <a:p>
+            <a:pPr algn="ctr"/>
+            <a:r>
+              <a:rPr lang="en-US" altLang="ko-KR" dirty="0"/>
+              <a:t>DBMS</a:t>
+            </a:r>
+            <a:endParaRPr lang="ko-KR" altLang="en-US" dirty="0"/>
+          </a:p>
+        </p:txBody>
+      </p:sp>
+      <p:sp>
+        <p:nvSpPr>
+          <p:cNvPr id="17" name="직사각형 16">
+            <a:extLst>
+              <a:ext uri="{FF2B5EF4-FFF2-40B4-BE49-F238E27FC236}">
+                <a16:creationId xmlns:a16="http://schemas.microsoft.com/office/drawing/2014/main" id="{AC0B66A1-4600-4A82-A369-47B697A4A890}"/>
+              </a:ext>
+            </a:extLst>
+          </p:cNvPr>
+          <p:cNvSpPr/>
+          <p:nvPr/>
+        </p:nvSpPr>
+        <p:spPr>
+          <a:xfrm>
+            <a:off x="5979260" y="1959040"/>
+            <a:ext cx="1026234" cy="497374"/>
+          </a:xfrm>
+          <a:prstGeom prst="rect">
+            <a:avLst/>
+          </a:prstGeom>
+        </p:spPr>
+        <p:style>
+          <a:lnRef idx="1">
+            <a:schemeClr val="accent3"/>
+          </a:lnRef>
+          <a:fillRef idx="2">
+            <a:schemeClr val="accent3"/>
+          </a:fillRef>
+          <a:effectRef idx="1">
+            <a:schemeClr val="accent3"/>
+          </a:effectRef>
+          <a:fontRef idx="minor">
+            <a:schemeClr val="dk1"/>
+          </a:fontRef>
+        </p:style>
+        <p:txBody>
+          <a:bodyPr rtlCol="0" anchor="ctr"/>
+          <a:lstStyle/>
+          <a:p>
+            <a:pPr algn="ctr"/>
+            <a:r>
+              <a:rPr lang="en-US" altLang="ko-KR" sz="1600" dirty="0"/>
+              <a:t>API G/W</a:t>
+            </a:r>
+            <a:endParaRPr lang="ko-KR" altLang="en-US" sz="1600" dirty="0"/>
+          </a:p>
+        </p:txBody>
+      </p:sp>
+      <p:cxnSp>
+        <p:nvCxnSpPr>
+          <p:cNvPr id="21" name="직선 연결선 20">
+            <a:extLst>
+              <a:ext uri="{FF2B5EF4-FFF2-40B4-BE49-F238E27FC236}">
+                <a16:creationId xmlns:a16="http://schemas.microsoft.com/office/drawing/2014/main" id="{2E394BD2-3A4D-4642-B805-A5268A92F4A9}"/>
+              </a:ext>
+            </a:extLst>
+          </p:cNvPr>
+          <p:cNvCxnSpPr>
+            <a:cxnSpLocks/>
+            <a:stCxn id="9" idx="0"/>
+            <a:endCxn id="16" idx="2"/>
+          </p:cNvCxnSpPr>
+          <p:nvPr/>
+        </p:nvCxnSpPr>
+        <p:spPr>
+          <a:xfrm flipV="1">
+            <a:off x="6948963" y="2456414"/>
+            <a:ext cx="702783" cy="475212"/>
+          </a:xfrm>
+          <a:prstGeom prst="line">
+            <a:avLst/>
+          </a:prstGeom>
+        </p:spPr>
+        <p:style>
+          <a:lnRef idx="3">
+            <a:schemeClr val="dk1"/>
+          </a:lnRef>
+          <a:fillRef idx="0">
+            <a:schemeClr val="dk1"/>
+          </a:fillRef>
+          <a:effectRef idx="2">
+            <a:schemeClr val="dk1"/>
+          </a:effectRef>
+          <a:fontRef idx="minor">
+            <a:schemeClr val="tx1"/>
+          </a:fontRef>
+        </p:style>
+      </p:cxnSp>
+      <p:pic>
+        <p:nvPicPr>
+          <p:cNvPr id="18" name="Picture 2">
+            <a:extLst>
+              <a:ext uri="{FF2B5EF4-FFF2-40B4-BE49-F238E27FC236}">
+                <a16:creationId xmlns:a16="http://schemas.microsoft.com/office/drawing/2014/main" id="{3E97FD11-BF98-47CE-A385-609458B8D454}"/>
+              </a:ext>
+            </a:extLst>
+          </p:cNvPr>
+          <p:cNvPicPr>
+            <a:picLocks noChangeAspect="1" noChangeArrowheads="1"/>
+          </p:cNvPicPr>
+          <p:nvPr/>
+        </p:nvPicPr>
+        <p:blipFill>
+          <a:blip r:embed="rId2">
+            <a:extLst>
+              <a:ext uri="{28A0092B-C50C-407E-A947-70E740481C1C}">
+                <a14:useLocalDpi xmlns:a14="http://schemas.microsoft.com/office/drawing/2010/main" val="0"/>
+              </a:ext>
+            </a:extLst>
+          </a:blip>
+          <a:srcRect/>
+          <a:stretch>
+            <a:fillRect/>
+          </a:stretch>
+        </p:blipFill>
+        <p:spPr bwMode="auto">
+          <a:xfrm>
+            <a:off x="8538785" y="1484737"/>
+            <a:ext cx="3280943" cy="1944263"/>
+          </a:xfrm>
+          <a:prstGeom prst="rect">
+            <a:avLst/>
+          </a:prstGeom>
+          <a:noFill/>
+          <a:extLst>
+            <a:ext uri="{909E8E84-426E-40DD-AFC4-6F175D3DCCD1}">
+              <a14:hiddenFill xmlns:a14="http://schemas.microsoft.com/office/drawing/2010/main">
+                <a:solidFill>
+                  <a:srgbClr val="FFFFFF"/>
+                </a:solidFill>
+              </a14:hiddenFill>
+            </a:ext>
+          </a:extLst>
+        </p:spPr>
       </p:pic>
+      <p:cxnSp>
+        <p:nvCxnSpPr>
+          <p:cNvPr id="23" name="직선 연결선 22">
+            <a:extLst>
+              <a:ext uri="{FF2B5EF4-FFF2-40B4-BE49-F238E27FC236}">
+                <a16:creationId xmlns:a16="http://schemas.microsoft.com/office/drawing/2014/main" id="{1376E256-90E3-47CF-A1DC-AB66855065AB}"/>
+              </a:ext>
+            </a:extLst>
+          </p:cNvPr>
+          <p:cNvCxnSpPr>
+            <a:cxnSpLocks/>
+            <a:stCxn id="9" idx="0"/>
+            <a:endCxn id="17" idx="2"/>
+          </p:cNvCxnSpPr>
+          <p:nvPr/>
+        </p:nvCxnSpPr>
+        <p:spPr>
+          <a:xfrm flipH="1" flipV="1">
+            <a:off x="6492377" y="2456414"/>
+            <a:ext cx="456586" cy="475212"/>
+          </a:xfrm>
+          <a:prstGeom prst="line">
+            <a:avLst/>
+          </a:prstGeom>
+        </p:spPr>
+        <p:style>
+          <a:lnRef idx="3">
+            <a:schemeClr val="dk1"/>
+          </a:lnRef>
+          <a:fillRef idx="0">
+            <a:schemeClr val="dk1"/>
+          </a:fillRef>
+          <a:effectRef idx="2">
+            <a:schemeClr val="dk1"/>
+          </a:effectRef>
+          <a:fontRef idx="minor">
+            <a:schemeClr val="tx1"/>
+          </a:fontRef>
+        </p:style>
+      </p:cxnSp>
+      <p:sp>
+        <p:nvSpPr>
+          <p:cNvPr id="32" name="TextBox 31">
+            <a:extLst>
+              <a:ext uri="{FF2B5EF4-FFF2-40B4-BE49-F238E27FC236}">
+                <a16:creationId xmlns:a16="http://schemas.microsoft.com/office/drawing/2014/main" id="{FA96586B-5A8B-4066-93A3-AB21DE077BC2}"/>
+              </a:ext>
+            </a:extLst>
+          </p:cNvPr>
+          <p:cNvSpPr txBox="1"/>
+          <p:nvPr/>
+        </p:nvSpPr>
+        <p:spPr>
+          <a:xfrm>
+            <a:off x="1174832" y="5021195"/>
+            <a:ext cx="2698175" cy="646331"/>
+          </a:xfrm>
+          <a:prstGeom prst="rect">
+            <a:avLst/>
+          </a:prstGeom>
+          <a:noFill/>
+        </p:spPr>
+        <p:txBody>
+          <a:bodyPr wrap="none" rtlCol="0">
+            <a:spAutoFit/>
+          </a:bodyPr>
+          <a:lstStyle/>
+          <a:p>
+            <a:r>
+              <a:rPr lang="en-US" altLang="ko-KR" dirty="0"/>
+              <a:t>https://a.com/js/a.css</a:t>
+            </a:r>
+            <a:endParaRPr lang="ko-KR" altLang="en-US" dirty="0"/>
+          </a:p>
+          <a:p>
+            <a:r>
+              <a:rPr lang="en-US" altLang="ko-KR" dirty="0"/>
+              <a:t>https://a.com/waf/callList</a:t>
+            </a:r>
+            <a:endParaRPr lang="ko-KR" altLang="en-US" dirty="0"/>
+          </a:p>
+        </p:txBody>
+      </p:sp>
     </p:spTree>
     <p:extLst>
       <p:ext uri="{BB962C8B-B14F-4D97-AF65-F5344CB8AC3E}">
-        <p14:creationId xmlns:p14="http://schemas.microsoft.com/office/powerpoint/2010/main" val="3653190496"/>
+        <p14:creationId xmlns:p14="http://schemas.microsoft.com/office/powerpoint/2010/main" val="112143458"/>
       </p:ext>
     </p:extLst>
   </p:cSld>
